--- a/RESTful API the HATEOAS Way.pptx
+++ b/RESTful API the HATEOAS Way.pptx
@@ -6,6 +6,7 @@
   </p:sldMasterIdLst>
   <p:sldIdLst>
     <p:sldId id="256" r:id="rId2"/>
+    <p:sldId id="257" r:id="rId3"/>
   </p:sldIdLst>
   <p:sldSz cx="12192000" cy="6858000"/>
   <p:notesSz cx="6858000" cy="9144000"/>
@@ -104,6 +105,11 @@
       </a:defRPr>
     </a:lvl9pPr>
   </p:defaultTextStyle>
+  <p:extLst>
+    <p:ext uri="{EFAFB233-063F-42B5-8137-9DF3F51BA10A}">
+      <p15:sldGuideLst xmlns:p15="http://schemas.microsoft.com/office/powerpoint/2012/main"/>
+    </p:ext>
+  </p:extLst>
 </p:presentation>
 </file>
 
@@ -5811,6 +5817,159 @@
 </p:sld>
 </file>
 
+<file path=ppt/slides/slide2.xml><?xml version="1.0" encoding="utf-8"?>
+<p:sld xmlns:a="http://schemas.openxmlformats.org/drawingml/2006/main" xmlns:r="http://schemas.openxmlformats.org/officeDocument/2006/relationships" xmlns:p="http://schemas.openxmlformats.org/presentationml/2006/main">
+  <p:cSld>
+    <p:spTree>
+      <p:nvGrpSpPr>
+        <p:cNvPr id="1" name=""/>
+        <p:cNvGrpSpPr/>
+        <p:nvPr/>
+      </p:nvGrpSpPr>
+      <p:grpSpPr>
+        <a:xfrm>
+          <a:off x="0" y="0"/>
+          <a:ext cx="0" cy="0"/>
+          <a:chOff x="0" y="0"/>
+          <a:chExt cx="0" cy="0"/>
+        </a:xfrm>
+      </p:grpSpPr>
+      <p:sp>
+        <p:nvSpPr>
+          <p:cNvPr id="2" name="Title 1">
+            <a:extLst>
+              <a:ext uri="{FF2B5EF4-FFF2-40B4-BE49-F238E27FC236}">
+                <a16:creationId xmlns:a16="http://schemas.microsoft.com/office/drawing/2014/main" id="{DA546F4E-3ED2-4F0C-8361-381E00F8C317}"/>
+              </a:ext>
+            </a:extLst>
+          </p:cNvPr>
+          <p:cNvSpPr>
+            <a:spLocks noGrp="1"/>
+          </p:cNvSpPr>
+          <p:nvPr>
+            <p:ph type="title"/>
+          </p:nvPr>
+        </p:nvSpPr>
+        <p:spPr/>
+        <p:txBody>
+          <a:bodyPr/>
+          <a:lstStyle/>
+          <a:p>
+            <a:r>
+              <a:rPr lang="en-US" dirty="0"/>
+              <a:t>A little history first</a:t>
+            </a:r>
+          </a:p>
+        </p:txBody>
+      </p:sp>
+      <p:sp>
+        <p:nvSpPr>
+          <p:cNvPr id="3" name="Content Placeholder 2">
+            <a:extLst>
+              <a:ext uri="{FF2B5EF4-FFF2-40B4-BE49-F238E27FC236}">
+                <a16:creationId xmlns:a16="http://schemas.microsoft.com/office/drawing/2014/main" id="{F9FE73F2-239E-4826-81FE-7F7FB0E66E0A}"/>
+              </a:ext>
+            </a:extLst>
+          </p:cNvPr>
+          <p:cNvSpPr>
+            <a:spLocks noGrp="1"/>
+          </p:cNvSpPr>
+          <p:nvPr>
+            <p:ph idx="1"/>
+          </p:nvPr>
+        </p:nvSpPr>
+        <p:spPr/>
+        <p:txBody>
+          <a:bodyPr/>
+          <a:lstStyle/>
+          <a:p>
+            <a:r>
+              <a:rPr lang="en-US" dirty="0"/>
+              <a:t>So about 20 years ago Roy Thomas Fielding submitted his PhD dissertation paper on “</a:t>
+            </a:r>
+            <a:r>
+              <a:rPr lang="en-US" dirty="0">
+                <a:hlinkClick r:id="rId2"/>
+              </a:rPr>
+              <a:t>Architectural Styles and the Design of Network-based Software Architectures</a:t>
+            </a:r>
+            <a:r>
+              <a:rPr lang="en-US" dirty="0"/>
+              <a:t>”.  There is much controversy today about this.  But it is generally accepted that this is the foundational document of what we call  REST. </a:t>
+            </a:r>
+          </a:p>
+          <a:p>
+            <a:r>
+              <a:rPr lang="en-US" dirty="0"/>
+              <a:t>Roy was not just some PhD student in 1994, he began working at and for the World Wide Web Consortium.</a:t>
+            </a:r>
+          </a:p>
+          <a:p>
+            <a:r>
+              <a:rPr lang="en-US" dirty="0"/>
+              <a:t>He co-authored the </a:t>
+            </a:r>
+            <a:r>
+              <a:rPr lang="en-US" dirty="0">
+                <a:hlinkClick r:id="rId3"/>
+              </a:rPr>
+              <a:t>HTTP 1.0 specification</a:t>
+            </a:r>
+            <a:r>
+              <a:rPr lang="en-US" dirty="0"/>
+              <a:t> in 1996.</a:t>
+            </a:r>
+          </a:p>
+          <a:p>
+            <a:r>
+              <a:rPr lang="en-US" dirty="0"/>
+              <a:t>Whose other claim to fame is having </a:t>
+            </a:r>
+            <a:r>
+              <a:rPr lang="en-US" dirty="0">
+                <a:hlinkClick r:id="rId4"/>
+              </a:rPr>
+              <a:t>co-founded</a:t>
+            </a:r>
+            <a:r>
+              <a:rPr lang="en-US" dirty="0"/>
+              <a:t> the </a:t>
+            </a:r>
+            <a:r>
+              <a:rPr lang="en-US" dirty="0">
+                <a:hlinkClick r:id="rId5"/>
+              </a:rPr>
+              <a:t>Apache web server project</a:t>
+            </a:r>
+            <a:r>
+              <a:rPr lang="en-US" dirty="0"/>
+              <a:t>.</a:t>
+            </a:r>
+          </a:p>
+          <a:p>
+            <a:pPr marL="0" indent="0">
+              <a:buNone/>
+            </a:pPr>
+            <a:endParaRPr lang="en-US" dirty="0"/>
+          </a:p>
+          <a:p>
+            <a:endParaRPr lang="en-US" dirty="0"/>
+          </a:p>
+        </p:txBody>
+      </p:sp>
+    </p:spTree>
+    <p:extLst>
+      <p:ext uri="{BB962C8B-B14F-4D97-AF65-F5344CB8AC3E}">
+        <p14:creationId xmlns:p14="http://schemas.microsoft.com/office/powerpoint/2010/main" val="2749696157"/>
+      </p:ext>
+    </p:extLst>
+  </p:cSld>
+  <p:clrMapOvr>
+    <a:masterClrMapping/>
+  </p:clrMapOvr>
+</p:sld>
+</file>
+
 <file path=ppt/theme/theme1.xml><?xml version="1.0" encoding="utf-8"?>
 <a:theme xmlns:a="http://schemas.openxmlformats.org/drawingml/2006/main" name="Vapor Trail">
   <a:themeElements>

--- a/RESTful API the HATEOAS Way.pptx
+++ b/RESTful API the HATEOAS Way.pptx
@@ -7,6 +7,9 @@
   <p:sldIdLst>
     <p:sldId id="256" r:id="rId2"/>
     <p:sldId id="257" r:id="rId3"/>
+    <p:sldId id="258" r:id="rId4"/>
+    <p:sldId id="259" r:id="rId5"/>
+    <p:sldId id="260" r:id="rId6"/>
   </p:sldIdLst>
   <p:sldSz cx="12192000" cy="6858000"/>
   <p:notesSz cx="6858000" cy="9144000"/>
@@ -283,7 +286,7 @@
           <a:p>
             <a:fld id="{C7A840F7-D6A1-40E9-8C2B-38F65D11C884}" type="datetimeFigureOut">
               <a:rPr lang="en-US" smtClean="0"/>
-              <a:t>6/29/2021</a:t>
+              <a:t>6/30/2021</a:t>
             </a:fld>
             <a:endParaRPr lang="en-US"/>
           </a:p>
@@ -550,7 +553,7 @@
           <a:p>
             <a:fld id="{C7A840F7-D6A1-40E9-8C2B-38F65D11C884}" type="datetimeFigureOut">
               <a:rPr lang="en-US" smtClean="0"/>
-              <a:t>6/29/2021</a:t>
+              <a:t>6/30/2021</a:t>
             </a:fld>
             <a:endParaRPr lang="en-US"/>
           </a:p>
@@ -781,7 +784,7 @@
           <a:p>
             <a:fld id="{C7A840F7-D6A1-40E9-8C2B-38F65D11C884}" type="datetimeFigureOut">
               <a:rPr lang="en-US" smtClean="0"/>
-              <a:t>6/29/2021</a:t>
+              <a:t>6/30/2021</a:t>
             </a:fld>
             <a:endParaRPr lang="en-US"/>
           </a:p>
@@ -1091,7 +1094,7 @@
           <a:p>
             <a:fld id="{C7A840F7-D6A1-40E9-8C2B-38F65D11C884}" type="datetimeFigureOut">
               <a:rPr lang="en-US" smtClean="0"/>
-              <a:t>6/29/2021</a:t>
+              <a:t>6/30/2021</a:t>
             </a:fld>
             <a:endParaRPr lang="en-US"/>
           </a:p>
@@ -1564,7 +1567,7 @@
           <a:p>
             <a:fld id="{C7A840F7-D6A1-40E9-8C2B-38F65D11C884}" type="datetimeFigureOut">
               <a:rPr lang="en-US" smtClean="0"/>
-              <a:t>6/29/2021</a:t>
+              <a:t>6/30/2021</a:t>
             </a:fld>
             <a:endParaRPr lang="en-US"/>
           </a:p>
@@ -2111,7 +2114,7 @@
           <a:p>
             <a:fld id="{C7A840F7-D6A1-40E9-8C2B-38F65D11C884}" type="datetimeFigureOut">
               <a:rPr lang="en-US" smtClean="0"/>
-              <a:t>6/29/2021</a:t>
+              <a:t>6/30/2021</a:t>
             </a:fld>
             <a:endParaRPr lang="en-US"/>
           </a:p>
@@ -2885,7 +2888,7 @@
           <a:p>
             <a:fld id="{C7A840F7-D6A1-40E9-8C2B-38F65D11C884}" type="datetimeFigureOut">
               <a:rPr lang="en-US" smtClean="0"/>
-              <a:t>6/29/2021</a:t>
+              <a:t>6/30/2021</a:t>
             </a:fld>
             <a:endParaRPr lang="en-US"/>
           </a:p>
@@ -3060,7 +3063,7 @@
           <a:p>
             <a:fld id="{C7A840F7-D6A1-40E9-8C2B-38F65D11C884}" type="datetimeFigureOut">
               <a:rPr lang="en-US" smtClean="0"/>
-              <a:t>6/29/2021</a:t>
+              <a:t>6/30/2021</a:t>
             </a:fld>
             <a:endParaRPr lang="en-US"/>
           </a:p>
@@ -3283,7 +3286,7 @@
           <a:p>
             <a:fld id="{C7A840F7-D6A1-40E9-8C2B-38F65D11C884}" type="datetimeFigureOut">
               <a:rPr lang="en-US" smtClean="0"/>
-              <a:t>6/29/2021</a:t>
+              <a:t>6/30/2021</a:t>
             </a:fld>
             <a:endParaRPr lang="en-US"/>
           </a:p>
@@ -3463,7 +3466,7 @@
           <a:p>
             <a:fld id="{C7A840F7-D6A1-40E9-8C2B-38F65D11C884}" type="datetimeFigureOut">
               <a:rPr lang="en-US" smtClean="0"/>
-              <a:t>6/29/2021</a:t>
+              <a:t>6/30/2021</a:t>
             </a:fld>
             <a:endParaRPr lang="en-US"/>
           </a:p>
@@ -3752,7 +3755,7 @@
           <a:p>
             <a:fld id="{C7A840F7-D6A1-40E9-8C2B-38F65D11C884}" type="datetimeFigureOut">
               <a:rPr lang="en-US" smtClean="0"/>
-              <a:t>6/29/2021</a:t>
+              <a:t>6/30/2021</a:t>
             </a:fld>
             <a:endParaRPr lang="en-US"/>
           </a:p>
@@ -3994,7 +3997,7 @@
           <a:p>
             <a:fld id="{C7A840F7-D6A1-40E9-8C2B-38F65D11C884}" type="datetimeFigureOut">
               <a:rPr lang="en-US" smtClean="0"/>
-              <a:t>6/29/2021</a:t>
+              <a:t>6/30/2021</a:t>
             </a:fld>
             <a:endParaRPr lang="en-US"/>
           </a:p>
@@ -4373,7 +4376,7 @@
           <a:p>
             <a:fld id="{C7A840F7-D6A1-40E9-8C2B-38F65D11C884}" type="datetimeFigureOut">
               <a:rPr lang="en-US" smtClean="0"/>
-              <a:t>6/29/2021</a:t>
+              <a:t>6/30/2021</a:t>
             </a:fld>
             <a:endParaRPr lang="en-US"/>
           </a:p>
@@ -4491,7 +4494,7 @@
           <a:p>
             <a:fld id="{C7A840F7-D6A1-40E9-8C2B-38F65D11C884}" type="datetimeFigureOut">
               <a:rPr lang="en-US" smtClean="0"/>
-              <a:t>6/29/2021</a:t>
+              <a:t>6/30/2021</a:t>
             </a:fld>
             <a:endParaRPr lang="en-US"/>
           </a:p>
@@ -4586,7 +4589,7 @@
           <a:p>
             <a:fld id="{C7A840F7-D6A1-40E9-8C2B-38F65D11C884}" type="datetimeFigureOut">
               <a:rPr lang="en-US" smtClean="0"/>
-              <a:t>6/29/2021</a:t>
+              <a:t>6/30/2021</a:t>
             </a:fld>
             <a:endParaRPr lang="en-US"/>
           </a:p>
@@ -4835,7 +4838,7 @@
           <a:p>
             <a:fld id="{C7A840F7-D6A1-40E9-8C2B-38F65D11C884}" type="datetimeFigureOut">
               <a:rPr lang="en-US" smtClean="0"/>
-              <a:t>6/29/2021</a:t>
+              <a:t>6/30/2021</a:t>
             </a:fld>
             <a:endParaRPr lang="en-US"/>
           </a:p>
@@ -5092,7 +5095,7 @@
           <a:p>
             <a:fld id="{C7A840F7-D6A1-40E9-8C2B-38F65D11C884}" type="datetimeFigureOut">
               <a:rPr lang="en-US" smtClean="0"/>
-              <a:t>6/29/2021</a:t>
+              <a:t>6/30/2021</a:t>
             </a:fld>
             <a:endParaRPr lang="en-US"/>
           </a:p>
@@ -5335,7 +5338,7 @@
           <a:p>
             <a:fld id="{C7A840F7-D6A1-40E9-8C2B-38F65D11C884}" type="datetimeFigureOut">
               <a:rPr lang="en-US" smtClean="0"/>
-              <a:t>6/29/2021</a:t>
+              <a:t>6/30/2021</a:t>
             </a:fld>
             <a:endParaRPr lang="en-US"/>
           </a:p>
@@ -5970,6 +5973,449 @@
 </p:sld>
 </file>
 
+<file path=ppt/slides/slide3.xml><?xml version="1.0" encoding="utf-8"?>
+<p:sld xmlns:a="http://schemas.openxmlformats.org/drawingml/2006/main" xmlns:r="http://schemas.openxmlformats.org/officeDocument/2006/relationships" xmlns:p="http://schemas.openxmlformats.org/presentationml/2006/main">
+  <p:cSld>
+    <p:spTree>
+      <p:nvGrpSpPr>
+        <p:cNvPr id="1" name=""/>
+        <p:cNvGrpSpPr/>
+        <p:nvPr/>
+      </p:nvGrpSpPr>
+      <p:grpSpPr>
+        <a:xfrm>
+          <a:off x="0" y="0"/>
+          <a:ext cx="0" cy="0"/>
+          <a:chOff x="0" y="0"/>
+          <a:chExt cx="0" cy="0"/>
+        </a:xfrm>
+      </p:grpSpPr>
+      <p:sp>
+        <p:nvSpPr>
+          <p:cNvPr id="2" name="Title 1">
+            <a:extLst>
+              <a:ext uri="{FF2B5EF4-FFF2-40B4-BE49-F238E27FC236}">
+                <a16:creationId xmlns:a16="http://schemas.microsoft.com/office/drawing/2014/main" id="{25054F9F-6A60-4C71-9E35-424DA7282F2E}"/>
+              </a:ext>
+            </a:extLst>
+          </p:cNvPr>
+          <p:cNvSpPr>
+            <a:spLocks noGrp="1"/>
+          </p:cNvSpPr>
+          <p:nvPr>
+            <p:ph type="title"/>
+          </p:nvPr>
+        </p:nvSpPr>
+        <p:spPr/>
+        <p:txBody>
+          <a:bodyPr/>
+          <a:lstStyle/>
+          <a:p>
+            <a:r>
+              <a:rPr lang="en-US" dirty="0"/>
+              <a:t>“I am getting frustrated”</a:t>
+            </a:r>
+          </a:p>
+        </p:txBody>
+      </p:sp>
+      <p:sp>
+        <p:nvSpPr>
+          <p:cNvPr id="3" name="Content Placeholder 2">
+            <a:extLst>
+              <a:ext uri="{FF2B5EF4-FFF2-40B4-BE49-F238E27FC236}">
+                <a16:creationId xmlns:a16="http://schemas.microsoft.com/office/drawing/2014/main" id="{520DA246-D4CB-4C4A-B1F3-6733FC53D731}"/>
+              </a:ext>
+            </a:extLst>
+          </p:cNvPr>
+          <p:cNvSpPr>
+            <a:spLocks noGrp="1"/>
+          </p:cNvSpPr>
+          <p:nvPr>
+            <p:ph idx="1"/>
+          </p:nvPr>
+        </p:nvSpPr>
+        <p:spPr/>
+        <p:txBody>
+          <a:bodyPr>
+            <a:normAutofit lnSpcReduction="10000"/>
+          </a:bodyPr>
+          <a:lstStyle/>
+          <a:p>
+            <a:pPr marL="0" indent="0">
+              <a:buNone/>
+            </a:pPr>
+            <a:r>
+              <a:rPr lang="en-US" dirty="0"/>
+              <a:t>In 2008 Roy was shouting from the roof tops that “</a:t>
+            </a:r>
+            <a:r>
+              <a:rPr lang="en-US" dirty="0">
+                <a:hlinkClick r:id="rId2"/>
+              </a:rPr>
+              <a:t>REST APIs must be hypertext-driven</a:t>
+            </a:r>
+            <a:r>
+              <a:rPr lang="en-US" dirty="0"/>
+              <a:t>”.  The state of REST (</a:t>
+            </a:r>
+            <a:r>
+              <a:rPr lang="en-US" dirty="0">
+                <a:hlinkClick r:id="rId3"/>
+              </a:rPr>
+              <a:t>Representational State Transfer</a:t>
+            </a:r>
+            <a:r>
+              <a:rPr lang="en-US" dirty="0"/>
+              <a:t>) was being perverted by those who just misunderstood what he had meant.</a:t>
+            </a:r>
+          </a:p>
+          <a:p>
+            <a:pPr marL="0" indent="0">
+              <a:buNone/>
+            </a:pPr>
+            <a:endParaRPr lang="en-US" dirty="0"/>
+          </a:p>
+          <a:p>
+            <a:pPr marL="0" indent="0">
+              <a:buNone/>
+            </a:pPr>
+            <a:r>
+              <a:rPr lang="en-US" dirty="0"/>
+              <a:t>To be clear:</a:t>
+            </a:r>
+          </a:p>
+          <a:p>
+            <a:pPr marL="0" indent="0">
+              <a:buNone/>
+            </a:pPr>
+            <a:r>
+              <a:rPr lang="en-US" dirty="0"/>
+              <a:t>“In other words, if the engine of application state (and hence the API) is not being driven by hypertext, then it cannot be RESTful and cannot be a REST API. Period.” – Roy Fielding, October 20, 2008</a:t>
+            </a:r>
+          </a:p>
+          <a:p>
+            <a:pPr marL="0" indent="0">
+              <a:buNone/>
+            </a:pPr>
+            <a:endParaRPr lang="en-US" dirty="0"/>
+          </a:p>
+          <a:p>
+            <a:pPr marL="0" indent="0">
+              <a:buNone/>
+            </a:pPr>
+            <a:r>
+              <a:rPr lang="en-US" dirty="0"/>
+              <a:t>He then laid out the “rules before calling your creation a REST API”. </a:t>
+            </a:r>
+          </a:p>
+          <a:p>
+            <a:pPr marL="0" indent="0">
+              <a:buNone/>
+            </a:pPr>
+            <a:r>
+              <a:rPr lang="en-US" sz="1400" dirty="0"/>
+              <a:t>(Which to many were as clear as mud.)</a:t>
+            </a:r>
+            <a:endParaRPr lang="en-US" sz="700" dirty="0"/>
+          </a:p>
+        </p:txBody>
+      </p:sp>
+    </p:spTree>
+    <p:extLst>
+      <p:ext uri="{BB962C8B-B14F-4D97-AF65-F5344CB8AC3E}">
+        <p14:creationId xmlns:p14="http://schemas.microsoft.com/office/powerpoint/2010/main" val="631220556"/>
+      </p:ext>
+    </p:extLst>
+  </p:cSld>
+  <p:clrMapOvr>
+    <a:masterClrMapping/>
+  </p:clrMapOvr>
+</p:sld>
+</file>
+
+<file path=ppt/slides/slide4.xml><?xml version="1.0" encoding="utf-8"?>
+<p:sld xmlns:a="http://schemas.openxmlformats.org/drawingml/2006/main" xmlns:r="http://schemas.openxmlformats.org/officeDocument/2006/relationships" xmlns:p="http://schemas.openxmlformats.org/presentationml/2006/main">
+  <p:cSld>
+    <p:spTree>
+      <p:nvGrpSpPr>
+        <p:cNvPr id="1" name=""/>
+        <p:cNvGrpSpPr/>
+        <p:nvPr/>
+      </p:nvGrpSpPr>
+      <p:grpSpPr>
+        <a:xfrm>
+          <a:off x="0" y="0"/>
+          <a:ext cx="0" cy="0"/>
+          <a:chOff x="0" y="0"/>
+          <a:chExt cx="0" cy="0"/>
+        </a:xfrm>
+      </p:grpSpPr>
+      <p:sp>
+        <p:nvSpPr>
+          <p:cNvPr id="2" name="Title 1">
+            <a:extLst>
+              <a:ext uri="{FF2B5EF4-FFF2-40B4-BE49-F238E27FC236}">
+                <a16:creationId xmlns:a16="http://schemas.microsoft.com/office/drawing/2014/main" id="{B50EA5F8-BF55-4506-A5EE-514F583CE90E}"/>
+              </a:ext>
+            </a:extLst>
+          </p:cNvPr>
+          <p:cNvSpPr>
+            <a:spLocks noGrp="1"/>
+          </p:cNvSpPr>
+          <p:nvPr>
+            <p:ph type="title"/>
+          </p:nvPr>
+        </p:nvSpPr>
+        <p:spPr/>
+        <p:txBody>
+          <a:bodyPr/>
+          <a:lstStyle/>
+          <a:p>
+            <a:r>
+              <a:rPr lang="en-US" dirty="0"/>
+              <a:t>Rules are not standards</a:t>
+            </a:r>
+          </a:p>
+        </p:txBody>
+      </p:sp>
+      <p:sp>
+        <p:nvSpPr>
+          <p:cNvPr id="3" name="Content Placeholder 2">
+            <a:extLst>
+              <a:ext uri="{FF2B5EF4-FFF2-40B4-BE49-F238E27FC236}">
+                <a16:creationId xmlns:a16="http://schemas.microsoft.com/office/drawing/2014/main" id="{1E39E657-52D3-47EC-825A-30B83B9BB8CD}"/>
+              </a:ext>
+            </a:extLst>
+          </p:cNvPr>
+          <p:cNvSpPr>
+            <a:spLocks noGrp="1"/>
+          </p:cNvSpPr>
+          <p:nvPr>
+            <p:ph idx="1"/>
+          </p:nvPr>
+        </p:nvSpPr>
+        <p:spPr/>
+        <p:txBody>
+          <a:bodyPr/>
+          <a:lstStyle/>
+          <a:p>
+            <a:pPr marL="0" indent="0">
+              <a:buNone/>
+            </a:pPr>
+            <a:r>
+              <a:rPr lang="en-US" dirty="0"/>
+              <a:t>In a nutshell you need to understand that REST is an Architecture, NOT a Standard.  </a:t>
+            </a:r>
+          </a:p>
+          <a:p>
+            <a:pPr marL="0" indent="0">
+              <a:buNone/>
+            </a:pPr>
+            <a:r>
+              <a:rPr lang="en-US" dirty="0"/>
+              <a:t>There are many “Standards” out there for various aspects of software design that are used in REST.  </a:t>
+            </a:r>
+          </a:p>
+          <a:p>
+            <a:pPr marL="0" indent="0">
+              <a:buNone/>
+            </a:pPr>
+            <a:r>
+              <a:rPr lang="en-US" dirty="0"/>
+              <a:t>But REST itself is an architecture.</a:t>
+            </a:r>
+          </a:p>
+          <a:p>
+            <a:pPr marL="0" indent="0">
+              <a:buNone/>
+            </a:pPr>
+            <a:r>
+              <a:rPr lang="en-US" dirty="0"/>
+              <a:t>My point is this.</a:t>
+            </a:r>
+          </a:p>
+          <a:p>
+            <a:r>
+              <a:rPr lang="en-US" dirty="0"/>
+              <a:t>REST can be implemented following the guidelines Roy outlined.</a:t>
+            </a:r>
+          </a:p>
+          <a:p>
+            <a:r>
+              <a:rPr lang="en-US" dirty="0"/>
+              <a:t>It is today generally implemented on top of the HTTP “Standard”.</a:t>
+            </a:r>
+          </a:p>
+          <a:p>
+            <a:r>
+              <a:rPr lang="en-US" dirty="0"/>
+              <a:t>But REST itself is not a standard, but rather it is an architectural style that provides constraints for the design.</a:t>
+            </a:r>
+          </a:p>
+          <a:p>
+            <a:endParaRPr lang="en-US" dirty="0"/>
+          </a:p>
+        </p:txBody>
+      </p:sp>
+    </p:spTree>
+    <p:extLst>
+      <p:ext uri="{BB962C8B-B14F-4D97-AF65-F5344CB8AC3E}">
+        <p14:creationId xmlns:p14="http://schemas.microsoft.com/office/powerpoint/2010/main" val="156287308"/>
+      </p:ext>
+    </p:extLst>
+  </p:cSld>
+  <p:clrMapOvr>
+    <a:masterClrMapping/>
+  </p:clrMapOvr>
+</p:sld>
+</file>
+
+<file path=ppt/slides/slide5.xml><?xml version="1.0" encoding="utf-8"?>
+<p:sld xmlns:a="http://schemas.openxmlformats.org/drawingml/2006/main" xmlns:r="http://schemas.openxmlformats.org/officeDocument/2006/relationships" xmlns:p="http://schemas.openxmlformats.org/presentationml/2006/main">
+  <p:cSld>
+    <p:spTree>
+      <p:nvGrpSpPr>
+        <p:cNvPr id="1" name=""/>
+        <p:cNvGrpSpPr/>
+        <p:nvPr/>
+      </p:nvGrpSpPr>
+      <p:grpSpPr>
+        <a:xfrm>
+          <a:off x="0" y="0"/>
+          <a:ext cx="0" cy="0"/>
+          <a:chOff x="0" y="0"/>
+          <a:chExt cx="0" cy="0"/>
+        </a:xfrm>
+      </p:grpSpPr>
+      <p:sp>
+        <p:nvSpPr>
+          <p:cNvPr id="2" name="Title 1">
+            <a:extLst>
+              <a:ext uri="{FF2B5EF4-FFF2-40B4-BE49-F238E27FC236}">
+                <a16:creationId xmlns:a16="http://schemas.microsoft.com/office/drawing/2014/main" id="{A403C8AC-EBDB-4519-A1C6-391BA96905D8}"/>
+              </a:ext>
+            </a:extLst>
+          </p:cNvPr>
+          <p:cNvSpPr>
+            <a:spLocks noGrp="1"/>
+          </p:cNvSpPr>
+          <p:nvPr>
+            <p:ph type="title"/>
+          </p:nvPr>
+        </p:nvSpPr>
+        <p:spPr/>
+        <p:txBody>
+          <a:bodyPr/>
+          <a:lstStyle/>
+          <a:p>
+            <a:r>
+              <a:rPr lang="en-US" dirty="0"/>
+              <a:t>RESTful defined?</a:t>
+            </a:r>
+          </a:p>
+        </p:txBody>
+      </p:sp>
+      <p:sp>
+        <p:nvSpPr>
+          <p:cNvPr id="3" name="Content Placeholder 2">
+            <a:extLst>
+              <a:ext uri="{FF2B5EF4-FFF2-40B4-BE49-F238E27FC236}">
+                <a16:creationId xmlns:a16="http://schemas.microsoft.com/office/drawing/2014/main" id="{1DEF521E-96E2-4C04-ADCD-2650CE0B6689}"/>
+              </a:ext>
+            </a:extLst>
+          </p:cNvPr>
+          <p:cNvSpPr>
+            <a:spLocks noGrp="1"/>
+          </p:cNvSpPr>
+          <p:nvPr>
+            <p:ph idx="1"/>
+          </p:nvPr>
+        </p:nvSpPr>
+        <p:spPr/>
+        <p:txBody>
+          <a:bodyPr/>
+          <a:lstStyle/>
+          <a:p>
+            <a:pPr marL="0" indent="0">
+              <a:buNone/>
+            </a:pPr>
+            <a:r>
+              <a:rPr lang="en-US" dirty="0"/>
+              <a:t>It should be noted that MANY APIs do not conform to every element of REST.</a:t>
+            </a:r>
+          </a:p>
+          <a:p>
+            <a:pPr marL="0" indent="0">
+              <a:buNone/>
+            </a:pPr>
+            <a:r>
+              <a:rPr lang="en-US" dirty="0"/>
+              <a:t>These are called ‘RESTful” APIs.  </a:t>
+            </a:r>
+          </a:p>
+          <a:p>
+            <a:pPr marL="0" indent="0">
+              <a:buNone/>
+            </a:pPr>
+            <a:r>
+              <a:rPr lang="en-US" dirty="0"/>
+              <a:t>But they are really HTTP APIs.  </a:t>
+            </a:r>
+          </a:p>
+          <a:p>
+            <a:pPr marL="0" indent="0">
+              <a:buNone/>
+            </a:pPr>
+            <a:r>
+              <a:rPr lang="en-US" dirty="0"/>
+              <a:t>Most people today assume that REST and RESTful are the same things.  </a:t>
+            </a:r>
+          </a:p>
+          <a:p>
+            <a:pPr marL="0" indent="0">
+              <a:buNone/>
+            </a:pPr>
+            <a:r>
+              <a:rPr lang="en-US" dirty="0"/>
+              <a:t>They are in the same, but only in the way that a skyscraper is the same as a residential single-family home.  </a:t>
+            </a:r>
+          </a:p>
+          <a:p>
+            <a:pPr lvl="1"/>
+            <a:r>
+              <a:rPr lang="en-US" dirty="0"/>
+              <a:t>They are building.</a:t>
+            </a:r>
+          </a:p>
+          <a:p>
+            <a:pPr lvl="1"/>
+            <a:r>
+              <a:rPr lang="en-US" dirty="0"/>
+              <a:t>They provide have similar features and functionality.</a:t>
+            </a:r>
+          </a:p>
+          <a:p>
+            <a:pPr lvl="1"/>
+            <a:r>
+              <a:rPr lang="en-US" dirty="0"/>
+              <a:t>But they are different.</a:t>
+            </a:r>
+          </a:p>
+        </p:txBody>
+      </p:sp>
+    </p:spTree>
+    <p:extLst>
+      <p:ext uri="{BB962C8B-B14F-4D97-AF65-F5344CB8AC3E}">
+        <p14:creationId xmlns:p14="http://schemas.microsoft.com/office/powerpoint/2010/main" val="2833152095"/>
+      </p:ext>
+    </p:extLst>
+  </p:cSld>
+  <p:clrMapOvr>
+    <a:masterClrMapping/>
+  </p:clrMapOvr>
+</p:sld>
+</file>
+
 <file path=ppt/theme/theme1.xml><?xml version="1.0" encoding="utf-8"?>
 <a:theme xmlns:a="http://schemas.openxmlformats.org/drawingml/2006/main" name="Vapor Trail">
   <a:themeElements>

--- a/RESTful API the HATEOAS Way.pptx
+++ b/RESTful API the HATEOAS Way.pptx
@@ -5,11 +5,13 @@
     <p:sldMasterId id="2147483660" r:id="rId1"/>
   </p:sldMasterIdLst>
   <p:sldIdLst>
-    <p:sldId id="256" r:id="rId2"/>
-    <p:sldId id="257" r:id="rId3"/>
-    <p:sldId id="258" r:id="rId4"/>
-    <p:sldId id="259" r:id="rId5"/>
-    <p:sldId id="260" r:id="rId6"/>
+    <p:sldId id="262" r:id="rId2"/>
+    <p:sldId id="256" r:id="rId3"/>
+    <p:sldId id="261" r:id="rId4"/>
+    <p:sldId id="257" r:id="rId5"/>
+    <p:sldId id="258" r:id="rId6"/>
+    <p:sldId id="259" r:id="rId7"/>
+    <p:sldId id="260" r:id="rId8"/>
   </p:sldIdLst>
   <p:sldSz cx="12192000" cy="6858000"/>
   <p:notesSz cx="6858000" cy="9144000"/>
@@ -5754,7 +5756,7 @@
           <p:cNvPr id="2" name="Title 1">
             <a:extLst>
               <a:ext uri="{FF2B5EF4-FFF2-40B4-BE49-F238E27FC236}">
-                <a16:creationId xmlns:a16="http://schemas.microsoft.com/office/drawing/2014/main" id="{EF41AD4B-681E-460D-9AE7-6AE9F8646B0C}"/>
+                <a16:creationId xmlns:a16="http://schemas.microsoft.com/office/drawing/2014/main" id="{D35354DD-18CE-4E40-8BB9-6E37D181B71D}"/>
               </a:ext>
             </a:extLst>
           </p:cNvPr>
@@ -5762,7 +5764,7 @@
             <a:spLocks noGrp="1"/>
           </p:cNvSpPr>
           <p:nvPr>
-            <p:ph type="ctrTitle"/>
+            <p:ph type="title"/>
           </p:nvPr>
         </p:nvSpPr>
         <p:spPr/>
@@ -5770,20 +5772,19 @@
           <a:bodyPr/>
           <a:lstStyle/>
           <a:p>
-            <a:pPr algn="ctr"/>
             <a:r>
               <a:rPr lang="en-US" dirty="0"/>
-              <a:t>RESTful API the HATEOAS Way</a:t>
-            </a:r>
-          </a:p>
-        </p:txBody>
-      </p:sp>
-      <p:sp>
-        <p:nvSpPr>
-          <p:cNvPr id="3" name="Subtitle 2">
+              <a:t>Disclaimer</a:t>
+            </a:r>
+          </a:p>
+        </p:txBody>
+      </p:sp>
+      <p:sp>
+        <p:nvSpPr>
+          <p:cNvPr id="3" name="Content Placeholder 2">
             <a:extLst>
               <a:ext uri="{FF2B5EF4-FFF2-40B4-BE49-F238E27FC236}">
-                <a16:creationId xmlns:a16="http://schemas.microsoft.com/office/drawing/2014/main" id="{836BE190-E31D-42B4-8F79-D703BC8E4FE8}"/>
+                <a16:creationId xmlns:a16="http://schemas.microsoft.com/office/drawing/2014/main" id="{31D6C542-5668-49B0-859A-D99F5E6087E8}"/>
               </a:ext>
             </a:extLst>
           </p:cNvPr>
@@ -5791,26 +5792,105 @@
             <a:spLocks noGrp="1"/>
           </p:cNvSpPr>
           <p:nvPr>
-            <p:ph type="subTitle" idx="1"/>
+            <p:ph idx="1"/>
           </p:nvPr>
         </p:nvSpPr>
         <p:spPr/>
         <p:txBody>
-          <a:bodyPr/>
-          <a:lstStyle/>
-          <a:p>
-            <a:pPr algn="ctr"/>
+          <a:bodyPr>
+            <a:normAutofit lnSpcReduction="10000"/>
+          </a:bodyPr>
+          <a:lstStyle/>
+          <a:p>
+            <a:pPr marL="0" indent="0">
+              <a:buNone/>
+            </a:pPr>
             <a:r>
               <a:rPr lang="en-US" dirty="0"/>
-              <a:t>Everything you wanted to know and didn't</a:t>
-            </a:r>
+              <a:t>Knowledge is not power; Implementation is power.</a:t>
+            </a:r>
+          </a:p>
+          <a:p>
+            <a:pPr marL="0" indent="0">
+              <a:buNone/>
+            </a:pPr>
+            <a:r>
+              <a:rPr lang="en-US" dirty="0"/>
+              <a:t>The opinions expressed in this presentation are my own and developed separate from my current employer.</a:t>
+            </a:r>
+          </a:p>
+          <a:p>
+            <a:pPr marL="0" indent="0">
+              <a:buNone/>
+            </a:pPr>
+            <a:r>
+              <a:rPr lang="en-US" dirty="0"/>
+              <a:t>All software code and tooling is mine and was developed personally and not in conjunction with my current employer.  They do not have rights to this code.</a:t>
+            </a:r>
+          </a:p>
+          <a:p>
+            <a:pPr marL="0" indent="0">
+              <a:buNone/>
+            </a:pPr>
+            <a:r>
+              <a:rPr lang="en-US" dirty="0"/>
+              <a:t>I have placed this in the public domain for educational purposes and the betterment of the community.</a:t>
+            </a:r>
+          </a:p>
+          <a:p>
+            <a:pPr marL="0" indent="0">
+              <a:buNone/>
+            </a:pPr>
+            <a:r>
+              <a:rPr lang="en-US" dirty="0"/>
+              <a:t>Variations of this code I may later use in software projects for my employer at the time or in contract work.</a:t>
+            </a:r>
+          </a:p>
+          <a:p>
+            <a:pPr marL="0" indent="0">
+              <a:buNone/>
+            </a:pPr>
+            <a:r>
+              <a:rPr lang="en-US" dirty="0"/>
+              <a:t>Everything is located at this public repository: </a:t>
+            </a:r>
+          </a:p>
+          <a:p>
+            <a:pPr marL="0" indent="0">
+              <a:buNone/>
+            </a:pPr>
+            <a:r>
+              <a:rPr lang="en-US" dirty="0" err="1">
+                <a:hlinkClick r:id="rId2"/>
+              </a:rPr>
+              <a:t>RonGarlit</a:t>
+            </a:r>
+            <a:r>
+              <a:rPr lang="en-US" dirty="0">
+                <a:hlinkClick r:id="rId2"/>
+              </a:rPr>
+              <a:t>/</a:t>
+            </a:r>
+            <a:r>
+              <a:rPr lang="en-US" dirty="0" err="1">
+                <a:hlinkClick r:id="rId2"/>
+              </a:rPr>
+              <a:t>RESTfulApiDemo</a:t>
+            </a:r>
+            <a:r>
+              <a:rPr lang="en-US" dirty="0">
+                <a:hlinkClick r:id="rId2"/>
+              </a:rPr>
+              <a:t> (github.com)</a:t>
+            </a:r>
+            <a:endParaRPr lang="en-US" dirty="0"/>
           </a:p>
         </p:txBody>
       </p:sp>
     </p:spTree>
     <p:extLst>
       <p:ext uri="{BB962C8B-B14F-4D97-AF65-F5344CB8AC3E}">
-        <p14:creationId xmlns:p14="http://schemas.microsoft.com/office/powerpoint/2010/main" val="741188115"/>
+        <p14:creationId xmlns:p14="http://schemas.microsoft.com/office/powerpoint/2010/main" val="2336194822"/>
       </p:ext>
     </p:extLst>
   </p:cSld>
@@ -5842,7 +5922,7 @@
           <p:cNvPr id="2" name="Title 1">
             <a:extLst>
               <a:ext uri="{FF2B5EF4-FFF2-40B4-BE49-F238E27FC236}">
-                <a16:creationId xmlns:a16="http://schemas.microsoft.com/office/drawing/2014/main" id="{DA546F4E-3ED2-4F0C-8361-381E00F8C317}"/>
+                <a16:creationId xmlns:a16="http://schemas.microsoft.com/office/drawing/2014/main" id="{EF41AD4B-681E-460D-9AE7-6AE9F8646B0C}"/>
               </a:ext>
             </a:extLst>
           </p:cNvPr>
@@ -5850,7 +5930,7 @@
             <a:spLocks noGrp="1"/>
           </p:cNvSpPr>
           <p:nvPr>
-            <p:ph type="title"/>
+            <p:ph type="ctrTitle"/>
           </p:nvPr>
         </p:nvSpPr>
         <p:spPr/>
@@ -5858,19 +5938,20 @@
           <a:bodyPr/>
           <a:lstStyle/>
           <a:p>
+            <a:pPr algn="ctr"/>
             <a:r>
               <a:rPr lang="en-US" dirty="0"/>
-              <a:t>A little history first</a:t>
-            </a:r>
-          </a:p>
-        </p:txBody>
-      </p:sp>
-      <p:sp>
-        <p:nvSpPr>
-          <p:cNvPr id="3" name="Content Placeholder 2">
+              <a:t>RESTful API the HATEOAS Way</a:t>
+            </a:r>
+          </a:p>
+        </p:txBody>
+      </p:sp>
+      <p:sp>
+        <p:nvSpPr>
+          <p:cNvPr id="3" name="Subtitle 2">
             <a:extLst>
               <a:ext uri="{FF2B5EF4-FFF2-40B4-BE49-F238E27FC236}">
-                <a16:creationId xmlns:a16="http://schemas.microsoft.com/office/drawing/2014/main" id="{F9FE73F2-239E-4826-81FE-7F7FB0E66E0A}"/>
+                <a16:creationId xmlns:a16="http://schemas.microsoft.com/office/drawing/2014/main" id="{836BE190-E31D-42B4-8F79-D703BC8E4FE8}"/>
               </a:ext>
             </a:extLst>
           </p:cNvPr>
@@ -5878,7 +5959,7 @@
             <a:spLocks noGrp="1"/>
           </p:cNvSpPr>
           <p:nvPr>
-            <p:ph idx="1"/>
+            <p:ph type="subTitle" idx="1"/>
           </p:nvPr>
         </p:nvSpPr>
         <p:spPr/>
@@ -5886,84 +5967,53 @@
           <a:bodyPr/>
           <a:lstStyle/>
           <a:p>
+            <a:pPr algn="ctr"/>
             <a:r>
               <a:rPr lang="en-US" dirty="0"/>
-              <a:t>So about 20 years ago Roy Thomas Fielding submitted his PhD dissertation paper on “</a:t>
-            </a:r>
-            <a:r>
-              <a:rPr lang="en-US" dirty="0">
-                <a:hlinkClick r:id="rId2"/>
-              </a:rPr>
-              <a:t>Architectural Styles and the Design of Network-based Software Architectures</a:t>
-            </a:r>
+              <a:t>Everything you wanted to know and didn’t</a:t>
+            </a:r>
+          </a:p>
+        </p:txBody>
+      </p:sp>
+      <p:sp>
+        <p:nvSpPr>
+          <p:cNvPr id="4" name="TextBox 3">
+            <a:extLst>
+              <a:ext uri="{FF2B5EF4-FFF2-40B4-BE49-F238E27FC236}">
+                <a16:creationId xmlns:a16="http://schemas.microsoft.com/office/drawing/2014/main" id="{E858C383-9537-4B48-87E0-C3221B03CB5E}"/>
+              </a:ext>
+            </a:extLst>
+          </p:cNvPr>
+          <p:cNvSpPr txBox="1"/>
+          <p:nvPr/>
+        </p:nvSpPr>
+        <p:spPr>
+          <a:xfrm>
+            <a:off x="9370501" y="6388000"/>
+            <a:ext cx="2197917" cy="369332"/>
+          </a:xfrm>
+          <a:prstGeom prst="rect">
+            <a:avLst/>
+          </a:prstGeom>
+          <a:noFill/>
+        </p:spPr>
+        <p:txBody>
+          <a:bodyPr wrap="square" rtlCol="0">
+            <a:spAutoFit/>
+          </a:bodyPr>
+          <a:lstStyle/>
+          <a:p>
             <a:r>
               <a:rPr lang="en-US" dirty="0"/>
-              <a:t>”.  There is much controversy today about this.  But it is generally accepted that this is the foundational document of what we call  REST. </a:t>
-            </a:r>
-          </a:p>
-          <a:p>
-            <a:r>
-              <a:rPr lang="en-US" dirty="0"/>
-              <a:t>Roy was not just some PhD student in 1994, he began working at and for the World Wide Web Consortium.</a:t>
-            </a:r>
-          </a:p>
-          <a:p>
-            <a:r>
-              <a:rPr lang="en-US" dirty="0"/>
-              <a:t>He co-authored the </a:t>
-            </a:r>
-            <a:r>
-              <a:rPr lang="en-US" dirty="0">
-                <a:hlinkClick r:id="rId3"/>
-              </a:rPr>
-              <a:t>HTTP 1.0 specification</a:t>
-            </a:r>
-            <a:r>
-              <a:rPr lang="en-US" dirty="0"/>
-              <a:t> in 1996.</a:t>
-            </a:r>
-          </a:p>
-          <a:p>
-            <a:r>
-              <a:rPr lang="en-US" dirty="0"/>
-              <a:t>Whose other claim to fame is having </a:t>
-            </a:r>
-            <a:r>
-              <a:rPr lang="en-US" dirty="0">
-                <a:hlinkClick r:id="rId4"/>
-              </a:rPr>
-              <a:t>co-founded</a:t>
-            </a:r>
-            <a:r>
-              <a:rPr lang="en-US" dirty="0"/>
-              <a:t> the </a:t>
-            </a:r>
-            <a:r>
-              <a:rPr lang="en-US" dirty="0">
-                <a:hlinkClick r:id="rId5"/>
-              </a:rPr>
-              <a:t>Apache web server project</a:t>
-            </a:r>
-            <a:r>
-              <a:rPr lang="en-US" dirty="0"/>
-              <a:t>.</a:t>
-            </a:r>
-          </a:p>
-          <a:p>
-            <a:pPr marL="0" indent="0">
-              <a:buNone/>
-            </a:pPr>
-            <a:endParaRPr lang="en-US" dirty="0"/>
-          </a:p>
-          <a:p>
-            <a:endParaRPr lang="en-US" dirty="0"/>
+              <a:t>By: Ronald Garlit</a:t>
+            </a:r>
           </a:p>
         </p:txBody>
       </p:sp>
     </p:spTree>
     <p:extLst>
       <p:ext uri="{BB962C8B-B14F-4D97-AF65-F5344CB8AC3E}">
-        <p14:creationId xmlns:p14="http://schemas.microsoft.com/office/powerpoint/2010/main" val="2749696157"/>
+        <p14:creationId xmlns:p14="http://schemas.microsoft.com/office/powerpoint/2010/main" val="741188115"/>
       </p:ext>
     </p:extLst>
   </p:cSld>
@@ -5990,140 +6040,45 @@
           <a:chExt cx="0" cy="0"/>
         </a:xfrm>
       </p:grpSpPr>
-      <p:sp>
-        <p:nvSpPr>
-          <p:cNvPr id="2" name="Title 1">
+      <p:pic>
+        <p:nvPicPr>
+          <p:cNvPr id="11" name="Content Placeholder 10" descr="A picture containing text&#10;&#10;Description automatically generated">
             <a:extLst>
               <a:ext uri="{FF2B5EF4-FFF2-40B4-BE49-F238E27FC236}">
-                <a16:creationId xmlns:a16="http://schemas.microsoft.com/office/drawing/2014/main" id="{25054F9F-6A60-4C71-9E35-424DA7282F2E}"/>
+                <a16:creationId xmlns:a16="http://schemas.microsoft.com/office/drawing/2014/main" id="{00DD170E-892F-4272-AE35-355F209AB4B7}"/>
               </a:ext>
             </a:extLst>
           </p:cNvPr>
-          <p:cNvSpPr>
-            <a:spLocks noGrp="1"/>
-          </p:cNvSpPr>
-          <p:nvPr>
-            <p:ph type="title"/>
-          </p:nvPr>
-        </p:nvSpPr>
-        <p:spPr/>
-        <p:txBody>
-          <a:bodyPr/>
-          <a:lstStyle/>
-          <a:p>
-            <a:r>
-              <a:rPr lang="en-US" dirty="0"/>
-              <a:t>“I am getting frustrated”</a:t>
-            </a:r>
-          </a:p>
-        </p:txBody>
-      </p:sp>
-      <p:sp>
-        <p:nvSpPr>
-          <p:cNvPr id="3" name="Content Placeholder 2">
+          <p:cNvPicPr>
+            <a:picLocks noGrp="1" noChangeAspect="1"/>
+          </p:cNvPicPr>
+          <p:nvPr>
+            <p:ph idx="1"/>
+          </p:nvPr>
+        </p:nvPicPr>
+        <p:blipFill>
+          <a:blip r:embed="rId2">
             <a:extLst>
-              <a:ext uri="{FF2B5EF4-FFF2-40B4-BE49-F238E27FC236}">
-                <a16:creationId xmlns:a16="http://schemas.microsoft.com/office/drawing/2014/main" id="{520DA246-D4CB-4C4A-B1F3-6733FC53D731}"/>
+              <a:ext uri="{28A0092B-C50C-407E-A947-70E740481C1C}">
+                <a14:useLocalDpi xmlns:a14="http://schemas.microsoft.com/office/drawing/2010/main" val="0"/>
               </a:ext>
             </a:extLst>
-          </p:cNvPr>
-          <p:cNvSpPr>
-            <a:spLocks noGrp="1"/>
-          </p:cNvSpPr>
-          <p:nvPr>
-            <p:ph idx="1"/>
-          </p:nvPr>
-        </p:nvSpPr>
-        <p:spPr/>
-        <p:txBody>
-          <a:bodyPr>
-            <a:normAutofit lnSpcReduction="10000"/>
-          </a:bodyPr>
-          <a:lstStyle/>
-          <a:p>
-            <a:pPr marL="0" indent="0">
-              <a:buNone/>
-            </a:pPr>
-            <a:r>
-              <a:rPr lang="en-US" dirty="0"/>
-              <a:t>In 2008 Roy was shouting from the roof tops that “</a:t>
-            </a:r>
-            <a:r>
-              <a:rPr lang="en-US" dirty="0">
-                <a:hlinkClick r:id="rId2"/>
-              </a:rPr>
-              <a:t>REST APIs must be hypertext-driven</a:t>
-            </a:r>
-            <a:r>
-              <a:rPr lang="en-US" dirty="0"/>
-              <a:t>”.  The state of REST (</a:t>
-            </a:r>
-            <a:r>
-              <a:rPr lang="en-US" dirty="0">
-                <a:hlinkClick r:id="rId3"/>
-              </a:rPr>
-              <a:t>Representational State Transfer</a:t>
-            </a:r>
-            <a:r>
-              <a:rPr lang="en-US" dirty="0"/>
-              <a:t>) was being perverted by those who just misunderstood what he had meant.</a:t>
-            </a:r>
-          </a:p>
-          <a:p>
-            <a:pPr marL="0" indent="0">
-              <a:buNone/>
-            </a:pPr>
-            <a:endParaRPr lang="en-US" dirty="0"/>
-          </a:p>
-          <a:p>
-            <a:pPr marL="0" indent="0">
-              <a:buNone/>
-            </a:pPr>
-            <a:r>
-              <a:rPr lang="en-US" dirty="0"/>
-              <a:t>To be clear:</a:t>
-            </a:r>
-          </a:p>
-          <a:p>
-            <a:pPr marL="0" indent="0">
-              <a:buNone/>
-            </a:pPr>
-            <a:r>
-              <a:rPr lang="en-US" dirty="0"/>
-              <a:t>“In other words, if the engine of application state (and hence the API) is not being driven by hypertext, then it cannot be RESTful and cannot be a REST API. Period.” – Roy Fielding, October 20, 2008</a:t>
-            </a:r>
-          </a:p>
-          <a:p>
-            <a:pPr marL="0" indent="0">
-              <a:buNone/>
-            </a:pPr>
-            <a:endParaRPr lang="en-US" dirty="0"/>
-          </a:p>
-          <a:p>
-            <a:pPr marL="0" indent="0">
-              <a:buNone/>
-            </a:pPr>
-            <a:r>
-              <a:rPr lang="en-US" dirty="0"/>
-              <a:t>He then laid out the “rules before calling your creation a REST API”. </a:t>
-            </a:r>
-          </a:p>
-          <a:p>
-            <a:pPr marL="0" indent="0">
-              <a:buNone/>
-            </a:pPr>
-            <a:r>
-              <a:rPr lang="en-US" sz="1400" dirty="0"/>
-              <a:t>(Which to many were as clear as mud.)</a:t>
-            </a:r>
-            <a:endParaRPr lang="en-US" sz="700" dirty="0"/>
-          </a:p>
-        </p:txBody>
-      </p:sp>
+          </a:blip>
+          <a:stretch>
+            <a:fillRect/>
+          </a:stretch>
+        </p:blipFill>
+        <p:spPr>
+          <a:xfrm>
+            <a:off x="2279171" y="1228436"/>
+            <a:ext cx="8388830" cy="5095578"/>
+          </a:xfrm>
+        </p:spPr>
+      </p:pic>
     </p:spTree>
     <p:extLst>
       <p:ext uri="{BB962C8B-B14F-4D97-AF65-F5344CB8AC3E}">
-        <p14:creationId xmlns:p14="http://schemas.microsoft.com/office/powerpoint/2010/main" val="631220556"/>
+        <p14:creationId xmlns:p14="http://schemas.microsoft.com/office/powerpoint/2010/main" val="3122256193"/>
       </p:ext>
     </p:extLst>
   </p:cSld>
@@ -6155,6 +6110,319 @@
           <p:cNvPr id="2" name="Title 1">
             <a:extLst>
               <a:ext uri="{FF2B5EF4-FFF2-40B4-BE49-F238E27FC236}">
+                <a16:creationId xmlns:a16="http://schemas.microsoft.com/office/drawing/2014/main" id="{DA546F4E-3ED2-4F0C-8361-381E00F8C317}"/>
+              </a:ext>
+            </a:extLst>
+          </p:cNvPr>
+          <p:cNvSpPr>
+            <a:spLocks noGrp="1"/>
+          </p:cNvSpPr>
+          <p:nvPr>
+            <p:ph type="title"/>
+          </p:nvPr>
+        </p:nvSpPr>
+        <p:spPr/>
+        <p:txBody>
+          <a:bodyPr/>
+          <a:lstStyle/>
+          <a:p>
+            <a:r>
+              <a:rPr lang="en-US" dirty="0"/>
+              <a:t>A little history first</a:t>
+            </a:r>
+          </a:p>
+        </p:txBody>
+      </p:sp>
+      <p:sp>
+        <p:nvSpPr>
+          <p:cNvPr id="3" name="Content Placeholder 2">
+            <a:extLst>
+              <a:ext uri="{FF2B5EF4-FFF2-40B4-BE49-F238E27FC236}">
+                <a16:creationId xmlns:a16="http://schemas.microsoft.com/office/drawing/2014/main" id="{F9FE73F2-239E-4826-81FE-7F7FB0E66E0A}"/>
+              </a:ext>
+            </a:extLst>
+          </p:cNvPr>
+          <p:cNvSpPr>
+            <a:spLocks noGrp="1"/>
+          </p:cNvSpPr>
+          <p:nvPr>
+            <p:ph idx="1"/>
+          </p:nvPr>
+        </p:nvSpPr>
+        <p:spPr/>
+        <p:txBody>
+          <a:bodyPr/>
+          <a:lstStyle/>
+          <a:p>
+            <a:r>
+              <a:rPr lang="en-US" dirty="0"/>
+              <a:t>So about 20 years ago Roy Thomas Fielding submitted his PhD dissertation paper on “</a:t>
+            </a:r>
+            <a:r>
+              <a:rPr lang="en-US" dirty="0">
+                <a:hlinkClick r:id="rId2"/>
+              </a:rPr>
+              <a:t>Architectural Styles and the Design of Network-based Software Architectures</a:t>
+            </a:r>
+            <a:r>
+              <a:rPr lang="en-US" dirty="0"/>
+              <a:t>”.  There is much controversy today about this.  But it is generally accepted that this is the foundational document of what we call  REST. </a:t>
+            </a:r>
+          </a:p>
+          <a:p>
+            <a:r>
+              <a:rPr lang="en-US" dirty="0"/>
+              <a:t>Roy was not just some PhD student in 1994, he began working at and for the World Wide Web Consortium.</a:t>
+            </a:r>
+          </a:p>
+          <a:p>
+            <a:r>
+              <a:rPr lang="en-US" dirty="0"/>
+              <a:t>He co-authored the </a:t>
+            </a:r>
+            <a:r>
+              <a:rPr lang="en-US" dirty="0">
+                <a:hlinkClick r:id="rId3"/>
+              </a:rPr>
+              <a:t>HTTP 1.0 specification</a:t>
+            </a:r>
+            <a:r>
+              <a:rPr lang="en-US" dirty="0"/>
+              <a:t> in 1996.</a:t>
+            </a:r>
+          </a:p>
+          <a:p>
+            <a:r>
+              <a:rPr lang="en-US" dirty="0"/>
+              <a:t>Whose other claim to fame is having </a:t>
+            </a:r>
+            <a:r>
+              <a:rPr lang="en-US" dirty="0">
+                <a:hlinkClick r:id="rId4"/>
+              </a:rPr>
+              <a:t>co-founded</a:t>
+            </a:r>
+            <a:r>
+              <a:rPr lang="en-US" dirty="0"/>
+              <a:t> the </a:t>
+            </a:r>
+            <a:r>
+              <a:rPr lang="en-US" dirty="0">
+                <a:hlinkClick r:id="rId5"/>
+              </a:rPr>
+              <a:t>Apache web server project</a:t>
+            </a:r>
+            <a:r>
+              <a:rPr lang="en-US" dirty="0"/>
+              <a:t>.</a:t>
+            </a:r>
+          </a:p>
+          <a:p>
+            <a:pPr marL="0" indent="0">
+              <a:buNone/>
+            </a:pPr>
+            <a:endParaRPr lang="en-US" dirty="0"/>
+          </a:p>
+          <a:p>
+            <a:endParaRPr lang="en-US" dirty="0"/>
+          </a:p>
+        </p:txBody>
+      </p:sp>
+    </p:spTree>
+    <p:extLst>
+      <p:ext uri="{BB962C8B-B14F-4D97-AF65-F5344CB8AC3E}">
+        <p14:creationId xmlns:p14="http://schemas.microsoft.com/office/powerpoint/2010/main" val="2749696157"/>
+      </p:ext>
+    </p:extLst>
+  </p:cSld>
+  <p:clrMapOvr>
+    <a:masterClrMapping/>
+  </p:clrMapOvr>
+</p:sld>
+</file>
+
+<file path=ppt/slides/slide5.xml><?xml version="1.0" encoding="utf-8"?>
+<p:sld xmlns:a="http://schemas.openxmlformats.org/drawingml/2006/main" xmlns:r="http://schemas.openxmlformats.org/officeDocument/2006/relationships" xmlns:p="http://schemas.openxmlformats.org/presentationml/2006/main">
+  <p:cSld>
+    <p:spTree>
+      <p:nvGrpSpPr>
+        <p:cNvPr id="1" name=""/>
+        <p:cNvGrpSpPr/>
+        <p:nvPr/>
+      </p:nvGrpSpPr>
+      <p:grpSpPr>
+        <a:xfrm>
+          <a:off x="0" y="0"/>
+          <a:ext cx="0" cy="0"/>
+          <a:chOff x="0" y="0"/>
+          <a:chExt cx="0" cy="0"/>
+        </a:xfrm>
+      </p:grpSpPr>
+      <p:sp>
+        <p:nvSpPr>
+          <p:cNvPr id="2" name="Title 1">
+            <a:extLst>
+              <a:ext uri="{FF2B5EF4-FFF2-40B4-BE49-F238E27FC236}">
+                <a16:creationId xmlns:a16="http://schemas.microsoft.com/office/drawing/2014/main" id="{25054F9F-6A60-4C71-9E35-424DA7282F2E}"/>
+              </a:ext>
+            </a:extLst>
+          </p:cNvPr>
+          <p:cNvSpPr>
+            <a:spLocks noGrp="1"/>
+          </p:cNvSpPr>
+          <p:nvPr>
+            <p:ph type="title"/>
+          </p:nvPr>
+        </p:nvSpPr>
+        <p:spPr/>
+        <p:txBody>
+          <a:bodyPr/>
+          <a:lstStyle/>
+          <a:p>
+            <a:r>
+              <a:rPr lang="en-US" dirty="0"/>
+              <a:t>“I am getting frustrated”</a:t>
+            </a:r>
+          </a:p>
+        </p:txBody>
+      </p:sp>
+      <p:sp>
+        <p:nvSpPr>
+          <p:cNvPr id="3" name="Content Placeholder 2">
+            <a:extLst>
+              <a:ext uri="{FF2B5EF4-FFF2-40B4-BE49-F238E27FC236}">
+                <a16:creationId xmlns:a16="http://schemas.microsoft.com/office/drawing/2014/main" id="{520DA246-D4CB-4C4A-B1F3-6733FC53D731}"/>
+              </a:ext>
+            </a:extLst>
+          </p:cNvPr>
+          <p:cNvSpPr>
+            <a:spLocks noGrp="1"/>
+          </p:cNvSpPr>
+          <p:nvPr>
+            <p:ph idx="1"/>
+          </p:nvPr>
+        </p:nvSpPr>
+        <p:spPr/>
+        <p:txBody>
+          <a:bodyPr>
+            <a:normAutofit lnSpcReduction="10000"/>
+          </a:bodyPr>
+          <a:lstStyle/>
+          <a:p>
+            <a:pPr marL="0" indent="0">
+              <a:buNone/>
+            </a:pPr>
+            <a:r>
+              <a:rPr lang="en-US" dirty="0"/>
+              <a:t>In 2008 Roy was shouting from the roof tops that “</a:t>
+            </a:r>
+            <a:r>
+              <a:rPr lang="en-US" dirty="0">
+                <a:hlinkClick r:id="rId2"/>
+              </a:rPr>
+              <a:t>REST APIs must be hypertext-driven</a:t>
+            </a:r>
+            <a:r>
+              <a:rPr lang="en-US" dirty="0"/>
+              <a:t>”.  The state of REST (</a:t>
+            </a:r>
+            <a:r>
+              <a:rPr lang="en-US" dirty="0">
+                <a:hlinkClick r:id="rId3"/>
+              </a:rPr>
+              <a:t>Representational State Transfer</a:t>
+            </a:r>
+            <a:r>
+              <a:rPr lang="en-US" dirty="0"/>
+              <a:t>) was being perverted by those who just misunderstood what he had meant.</a:t>
+            </a:r>
+          </a:p>
+          <a:p>
+            <a:pPr marL="0" indent="0">
+              <a:buNone/>
+            </a:pPr>
+            <a:endParaRPr lang="en-US" dirty="0"/>
+          </a:p>
+          <a:p>
+            <a:pPr marL="0" indent="0">
+              <a:buNone/>
+            </a:pPr>
+            <a:r>
+              <a:rPr lang="en-US" dirty="0"/>
+              <a:t>To be clear:</a:t>
+            </a:r>
+          </a:p>
+          <a:p>
+            <a:pPr marL="0" indent="0">
+              <a:buNone/>
+            </a:pPr>
+            <a:r>
+              <a:rPr lang="en-US" dirty="0"/>
+              <a:t>“In other words, if the engine of application state (and hence the API) is not being driven by hypertext, then it cannot be RESTful and cannot be a REST API. Period.” – Roy Fielding, October 20, 2008</a:t>
+            </a:r>
+          </a:p>
+          <a:p>
+            <a:pPr marL="0" indent="0">
+              <a:buNone/>
+            </a:pPr>
+            <a:endParaRPr lang="en-US" dirty="0"/>
+          </a:p>
+          <a:p>
+            <a:pPr marL="0" indent="0">
+              <a:buNone/>
+            </a:pPr>
+            <a:r>
+              <a:rPr lang="en-US" dirty="0"/>
+              <a:t>He then laid out the “rules before calling your creation a REST API”. </a:t>
+            </a:r>
+          </a:p>
+          <a:p>
+            <a:pPr marL="0" indent="0">
+              <a:buNone/>
+            </a:pPr>
+            <a:r>
+              <a:rPr lang="en-US" sz="1400" dirty="0"/>
+              <a:t>(Which to many were as clear as mud.)</a:t>
+            </a:r>
+            <a:endParaRPr lang="en-US" sz="700" dirty="0"/>
+          </a:p>
+        </p:txBody>
+      </p:sp>
+    </p:spTree>
+    <p:extLst>
+      <p:ext uri="{BB962C8B-B14F-4D97-AF65-F5344CB8AC3E}">
+        <p14:creationId xmlns:p14="http://schemas.microsoft.com/office/powerpoint/2010/main" val="631220556"/>
+      </p:ext>
+    </p:extLst>
+  </p:cSld>
+  <p:clrMapOvr>
+    <a:masterClrMapping/>
+  </p:clrMapOvr>
+</p:sld>
+</file>
+
+<file path=ppt/slides/slide6.xml><?xml version="1.0" encoding="utf-8"?>
+<p:sld xmlns:a="http://schemas.openxmlformats.org/drawingml/2006/main" xmlns:r="http://schemas.openxmlformats.org/officeDocument/2006/relationships" xmlns:p="http://schemas.openxmlformats.org/presentationml/2006/main">
+  <p:cSld>
+    <p:spTree>
+      <p:nvGrpSpPr>
+        <p:cNvPr id="1" name=""/>
+        <p:cNvGrpSpPr/>
+        <p:nvPr/>
+      </p:nvGrpSpPr>
+      <p:grpSpPr>
+        <a:xfrm>
+          <a:off x="0" y="0"/>
+          <a:ext cx="0" cy="0"/>
+          <a:chOff x="0" y="0"/>
+          <a:chExt cx="0" cy="0"/>
+        </a:xfrm>
+      </p:grpSpPr>
+      <p:sp>
+        <p:nvSpPr>
+          <p:cNvPr id="2" name="Title 1">
+            <a:extLst>
+              <a:ext uri="{FF2B5EF4-FFF2-40B4-BE49-F238E27FC236}">
                 <a16:creationId xmlns:a16="http://schemas.microsoft.com/office/drawing/2014/main" id="{B50EA5F8-BF55-4506-A5EE-514F583CE90E}"/>
               </a:ext>
             </a:extLst>
@@ -6270,7 +6538,7 @@
 </p:sld>
 </file>
 
-<file path=ppt/slides/slide5.xml><?xml version="1.0" encoding="utf-8"?>
+<file path=ppt/slides/slide7.xml><?xml version="1.0" encoding="utf-8"?>
 <p:sld xmlns:a="http://schemas.openxmlformats.org/drawingml/2006/main" xmlns:r="http://schemas.openxmlformats.org/officeDocument/2006/relationships" xmlns:p="http://schemas.openxmlformats.org/presentationml/2006/main">
   <p:cSld>
     <p:spTree>

--- a/RESTful API the HATEOAS Way.pptx
+++ b/RESTful API the HATEOAS Way.pptx
@@ -12,6 +12,16 @@
     <p:sldId id="258" r:id="rId6"/>
     <p:sldId id="259" r:id="rId7"/>
     <p:sldId id="260" r:id="rId8"/>
+    <p:sldId id="263" r:id="rId9"/>
+    <p:sldId id="264" r:id="rId10"/>
+    <p:sldId id="265" r:id="rId11"/>
+    <p:sldId id="266" r:id="rId12"/>
+    <p:sldId id="267" r:id="rId13"/>
+    <p:sldId id="268" r:id="rId14"/>
+    <p:sldId id="269" r:id="rId15"/>
+    <p:sldId id="270" r:id="rId16"/>
+    <p:sldId id="271" r:id="rId17"/>
+    <p:sldId id="272" r:id="rId18"/>
   </p:sldIdLst>
   <p:sldSz cx="12192000" cy="6858000"/>
   <p:notesSz cx="6858000" cy="9144000"/>
@@ -288,7 +298,7 @@
           <a:p>
             <a:fld id="{C7A840F7-D6A1-40E9-8C2B-38F65D11C884}" type="datetimeFigureOut">
               <a:rPr lang="en-US" smtClean="0"/>
-              <a:t>6/30/2021</a:t>
+              <a:t>7/4/2021</a:t>
             </a:fld>
             <a:endParaRPr lang="en-US"/>
           </a:p>
@@ -555,7 +565,7 @@
           <a:p>
             <a:fld id="{C7A840F7-D6A1-40E9-8C2B-38F65D11C884}" type="datetimeFigureOut">
               <a:rPr lang="en-US" smtClean="0"/>
-              <a:t>6/30/2021</a:t>
+              <a:t>7/4/2021</a:t>
             </a:fld>
             <a:endParaRPr lang="en-US"/>
           </a:p>
@@ -786,7 +796,7 @@
           <a:p>
             <a:fld id="{C7A840F7-D6A1-40E9-8C2B-38F65D11C884}" type="datetimeFigureOut">
               <a:rPr lang="en-US" smtClean="0"/>
-              <a:t>6/30/2021</a:t>
+              <a:t>7/4/2021</a:t>
             </a:fld>
             <a:endParaRPr lang="en-US"/>
           </a:p>
@@ -1096,7 +1106,7 @@
           <a:p>
             <a:fld id="{C7A840F7-D6A1-40E9-8C2B-38F65D11C884}" type="datetimeFigureOut">
               <a:rPr lang="en-US" smtClean="0"/>
-              <a:t>6/30/2021</a:t>
+              <a:t>7/4/2021</a:t>
             </a:fld>
             <a:endParaRPr lang="en-US"/>
           </a:p>
@@ -1569,7 +1579,7 @@
           <a:p>
             <a:fld id="{C7A840F7-D6A1-40E9-8C2B-38F65D11C884}" type="datetimeFigureOut">
               <a:rPr lang="en-US" smtClean="0"/>
-              <a:t>6/30/2021</a:t>
+              <a:t>7/4/2021</a:t>
             </a:fld>
             <a:endParaRPr lang="en-US"/>
           </a:p>
@@ -2116,7 +2126,7 @@
           <a:p>
             <a:fld id="{C7A840F7-D6A1-40E9-8C2B-38F65D11C884}" type="datetimeFigureOut">
               <a:rPr lang="en-US" smtClean="0"/>
-              <a:t>6/30/2021</a:t>
+              <a:t>7/4/2021</a:t>
             </a:fld>
             <a:endParaRPr lang="en-US"/>
           </a:p>
@@ -2890,7 +2900,7 @@
           <a:p>
             <a:fld id="{C7A840F7-D6A1-40E9-8C2B-38F65D11C884}" type="datetimeFigureOut">
               <a:rPr lang="en-US" smtClean="0"/>
-              <a:t>6/30/2021</a:t>
+              <a:t>7/4/2021</a:t>
             </a:fld>
             <a:endParaRPr lang="en-US"/>
           </a:p>
@@ -3065,7 +3075,7 @@
           <a:p>
             <a:fld id="{C7A840F7-D6A1-40E9-8C2B-38F65D11C884}" type="datetimeFigureOut">
               <a:rPr lang="en-US" smtClean="0"/>
-              <a:t>6/30/2021</a:t>
+              <a:t>7/4/2021</a:t>
             </a:fld>
             <a:endParaRPr lang="en-US"/>
           </a:p>
@@ -3288,7 +3298,7 @@
           <a:p>
             <a:fld id="{C7A840F7-D6A1-40E9-8C2B-38F65D11C884}" type="datetimeFigureOut">
               <a:rPr lang="en-US" smtClean="0"/>
-              <a:t>6/30/2021</a:t>
+              <a:t>7/4/2021</a:t>
             </a:fld>
             <a:endParaRPr lang="en-US"/>
           </a:p>
@@ -3468,7 +3478,7 @@
           <a:p>
             <a:fld id="{C7A840F7-D6A1-40E9-8C2B-38F65D11C884}" type="datetimeFigureOut">
               <a:rPr lang="en-US" smtClean="0"/>
-              <a:t>6/30/2021</a:t>
+              <a:t>7/4/2021</a:t>
             </a:fld>
             <a:endParaRPr lang="en-US"/>
           </a:p>
@@ -3757,7 +3767,7 @@
           <a:p>
             <a:fld id="{C7A840F7-D6A1-40E9-8C2B-38F65D11C884}" type="datetimeFigureOut">
               <a:rPr lang="en-US" smtClean="0"/>
-              <a:t>6/30/2021</a:t>
+              <a:t>7/4/2021</a:t>
             </a:fld>
             <a:endParaRPr lang="en-US"/>
           </a:p>
@@ -3999,7 +4009,7 @@
           <a:p>
             <a:fld id="{C7A840F7-D6A1-40E9-8C2B-38F65D11C884}" type="datetimeFigureOut">
               <a:rPr lang="en-US" smtClean="0"/>
-              <a:t>6/30/2021</a:t>
+              <a:t>7/4/2021</a:t>
             </a:fld>
             <a:endParaRPr lang="en-US"/>
           </a:p>
@@ -4378,7 +4388,7 @@
           <a:p>
             <a:fld id="{C7A840F7-D6A1-40E9-8C2B-38F65D11C884}" type="datetimeFigureOut">
               <a:rPr lang="en-US" smtClean="0"/>
-              <a:t>6/30/2021</a:t>
+              <a:t>7/4/2021</a:t>
             </a:fld>
             <a:endParaRPr lang="en-US"/>
           </a:p>
@@ -4496,7 +4506,7 @@
           <a:p>
             <a:fld id="{C7A840F7-D6A1-40E9-8C2B-38F65D11C884}" type="datetimeFigureOut">
               <a:rPr lang="en-US" smtClean="0"/>
-              <a:t>6/30/2021</a:t>
+              <a:t>7/4/2021</a:t>
             </a:fld>
             <a:endParaRPr lang="en-US"/>
           </a:p>
@@ -4591,7 +4601,7 @@
           <a:p>
             <a:fld id="{C7A840F7-D6A1-40E9-8C2B-38F65D11C884}" type="datetimeFigureOut">
               <a:rPr lang="en-US" smtClean="0"/>
-              <a:t>6/30/2021</a:t>
+              <a:t>7/4/2021</a:t>
             </a:fld>
             <a:endParaRPr lang="en-US"/>
           </a:p>
@@ -4840,7 +4850,7 @@
           <a:p>
             <a:fld id="{C7A840F7-D6A1-40E9-8C2B-38F65D11C884}" type="datetimeFigureOut">
               <a:rPr lang="en-US" smtClean="0"/>
-              <a:t>6/30/2021</a:t>
+              <a:t>7/4/2021</a:t>
             </a:fld>
             <a:endParaRPr lang="en-US"/>
           </a:p>
@@ -5097,7 +5107,7 @@
           <a:p>
             <a:fld id="{C7A840F7-D6A1-40E9-8C2B-38F65D11C884}" type="datetimeFigureOut">
               <a:rPr lang="en-US" smtClean="0"/>
-              <a:t>6/30/2021</a:t>
+              <a:t>7/4/2021</a:t>
             </a:fld>
             <a:endParaRPr lang="en-US"/>
           </a:p>
@@ -5340,7 +5350,7 @@
           <a:p>
             <a:fld id="{C7A840F7-D6A1-40E9-8C2B-38F65D11C884}" type="datetimeFigureOut">
               <a:rPr lang="en-US" smtClean="0"/>
-              <a:t>6/30/2021</a:t>
+              <a:t>7/4/2021</a:t>
             </a:fld>
             <a:endParaRPr lang="en-US"/>
           </a:p>
@@ -5900,6 +5910,1096 @@
 </p:sld>
 </file>
 
+<file path=ppt/slides/slide10.xml><?xml version="1.0" encoding="utf-8"?>
+<p:sld xmlns:a="http://schemas.openxmlformats.org/drawingml/2006/main" xmlns:r="http://schemas.openxmlformats.org/officeDocument/2006/relationships" xmlns:p="http://schemas.openxmlformats.org/presentationml/2006/main">
+  <p:cSld>
+    <p:spTree>
+      <p:nvGrpSpPr>
+        <p:cNvPr id="1" name=""/>
+        <p:cNvGrpSpPr/>
+        <p:nvPr/>
+      </p:nvGrpSpPr>
+      <p:grpSpPr>
+        <a:xfrm>
+          <a:off x="0" y="0"/>
+          <a:ext cx="0" cy="0"/>
+          <a:chOff x="0" y="0"/>
+          <a:chExt cx="0" cy="0"/>
+        </a:xfrm>
+      </p:grpSpPr>
+      <p:sp>
+        <p:nvSpPr>
+          <p:cNvPr id="2" name="Title 1">
+            <a:extLst>
+              <a:ext uri="{FF2B5EF4-FFF2-40B4-BE49-F238E27FC236}">
+                <a16:creationId xmlns:a16="http://schemas.microsoft.com/office/drawing/2014/main" id="{F21FE46D-D9F0-4621-B1BA-D16BC1447D98}"/>
+              </a:ext>
+            </a:extLst>
+          </p:cNvPr>
+          <p:cNvSpPr>
+            <a:spLocks noGrp="1"/>
+          </p:cNvSpPr>
+          <p:nvPr>
+            <p:ph type="title"/>
+          </p:nvPr>
+        </p:nvSpPr>
+        <p:spPr/>
+        <p:txBody>
+          <a:bodyPr/>
+          <a:lstStyle/>
+          <a:p>
+            <a:r>
+              <a:rPr lang="en-US" dirty="0"/>
+              <a:t>Simply put</a:t>
+            </a:r>
+          </a:p>
+        </p:txBody>
+      </p:sp>
+      <p:sp>
+        <p:nvSpPr>
+          <p:cNvPr id="3" name="Content Placeholder 2">
+            <a:extLst>
+              <a:ext uri="{FF2B5EF4-FFF2-40B4-BE49-F238E27FC236}">
+                <a16:creationId xmlns:a16="http://schemas.microsoft.com/office/drawing/2014/main" id="{66E10D03-B845-4F26-B3D8-BF8E27A6B713}"/>
+              </a:ext>
+            </a:extLst>
+          </p:cNvPr>
+          <p:cNvSpPr>
+            <a:spLocks noGrp="1"/>
+          </p:cNvSpPr>
+          <p:nvPr>
+            <p:ph idx="1"/>
+          </p:nvPr>
+        </p:nvSpPr>
+        <p:spPr/>
+        <p:txBody>
+          <a:bodyPr>
+            <a:normAutofit/>
+          </a:bodyPr>
+          <a:lstStyle/>
+          <a:p>
+            <a:pPr marL="0" indent="0">
+              <a:buNone/>
+            </a:pPr>
+            <a:r>
+              <a:rPr lang="en-US" sz="2800" dirty="0"/>
+              <a:t>Leonard Richardson created this for “Web APIs” based on the HTTP Protocol.</a:t>
+            </a:r>
+          </a:p>
+          <a:p>
+            <a:pPr marL="0" indent="0">
+              <a:buNone/>
+            </a:pPr>
+            <a:r>
+              <a:rPr lang="en-US" sz="2800" dirty="0"/>
+              <a:t>There are only four levels (for now)</a:t>
+            </a:r>
+          </a:p>
+          <a:p>
+            <a:pPr marL="0" indent="0">
+              <a:buNone/>
+            </a:pPr>
+            <a:endParaRPr lang="en-US" sz="2800" dirty="0"/>
+          </a:p>
+          <a:p>
+            <a:pPr lvl="2"/>
+            <a:r>
+              <a:rPr lang="en-US" sz="2600" dirty="0"/>
+              <a:t>Level 0: Swamp of POX</a:t>
+            </a:r>
+          </a:p>
+          <a:p>
+            <a:pPr lvl="2"/>
+            <a:r>
+              <a:rPr lang="en-US" sz="2600" dirty="0"/>
+              <a:t>Level 1: Resources</a:t>
+            </a:r>
+          </a:p>
+          <a:p>
+            <a:pPr lvl="2"/>
+            <a:r>
+              <a:rPr lang="en-US" sz="2600" dirty="0"/>
+              <a:t>Level 2: HTTP verbs</a:t>
+            </a:r>
+          </a:p>
+          <a:p>
+            <a:pPr lvl="2"/>
+            <a:r>
+              <a:rPr lang="en-US" sz="2600" dirty="0"/>
+              <a:t>Level 3: Hypermedia controls</a:t>
+            </a:r>
+          </a:p>
+        </p:txBody>
+      </p:sp>
+    </p:spTree>
+    <p:extLst>
+      <p:ext uri="{BB962C8B-B14F-4D97-AF65-F5344CB8AC3E}">
+        <p14:creationId xmlns:p14="http://schemas.microsoft.com/office/powerpoint/2010/main" val="3651337604"/>
+      </p:ext>
+    </p:extLst>
+  </p:cSld>
+  <p:clrMapOvr>
+    <a:masterClrMapping/>
+  </p:clrMapOvr>
+</p:sld>
+</file>
+
+<file path=ppt/slides/slide11.xml><?xml version="1.0" encoding="utf-8"?>
+<p:sld xmlns:a="http://schemas.openxmlformats.org/drawingml/2006/main" xmlns:r="http://schemas.openxmlformats.org/officeDocument/2006/relationships" xmlns:p="http://schemas.openxmlformats.org/presentationml/2006/main">
+  <p:cSld>
+    <p:spTree>
+      <p:nvGrpSpPr>
+        <p:cNvPr id="1" name=""/>
+        <p:cNvGrpSpPr/>
+        <p:nvPr/>
+      </p:nvGrpSpPr>
+      <p:grpSpPr>
+        <a:xfrm>
+          <a:off x="0" y="0"/>
+          <a:ext cx="0" cy="0"/>
+          <a:chOff x="0" y="0"/>
+          <a:chExt cx="0" cy="0"/>
+        </a:xfrm>
+      </p:grpSpPr>
+      <p:sp>
+        <p:nvSpPr>
+          <p:cNvPr id="2" name="Title 1">
+            <a:extLst>
+              <a:ext uri="{FF2B5EF4-FFF2-40B4-BE49-F238E27FC236}">
+                <a16:creationId xmlns:a16="http://schemas.microsoft.com/office/drawing/2014/main" id="{3357283C-B0C2-46AB-A45B-04A11B71B00A}"/>
+              </a:ext>
+            </a:extLst>
+          </p:cNvPr>
+          <p:cNvSpPr>
+            <a:spLocks noGrp="1"/>
+          </p:cNvSpPr>
+          <p:nvPr>
+            <p:ph type="title"/>
+          </p:nvPr>
+        </p:nvSpPr>
+        <p:spPr/>
+        <p:txBody>
+          <a:bodyPr/>
+          <a:lstStyle/>
+          <a:p>
+            <a:r>
+              <a:rPr lang="en-US" dirty="0"/>
+              <a:t>Welcome to the swamp</a:t>
+            </a:r>
+          </a:p>
+        </p:txBody>
+      </p:sp>
+      <p:sp>
+        <p:nvSpPr>
+          <p:cNvPr id="3" name="Content Placeholder 2">
+            <a:extLst>
+              <a:ext uri="{FF2B5EF4-FFF2-40B4-BE49-F238E27FC236}">
+                <a16:creationId xmlns:a16="http://schemas.microsoft.com/office/drawing/2014/main" id="{D87DE4A5-BC0C-4EF3-8D50-1B9038DFCCAA}"/>
+              </a:ext>
+            </a:extLst>
+          </p:cNvPr>
+          <p:cNvSpPr>
+            <a:spLocks noGrp="1"/>
+          </p:cNvSpPr>
+          <p:nvPr>
+            <p:ph idx="1"/>
+          </p:nvPr>
+        </p:nvSpPr>
+        <p:spPr/>
+        <p:txBody>
+          <a:bodyPr/>
+          <a:lstStyle/>
+          <a:p>
+            <a:pPr marL="0" indent="0">
+              <a:buNone/>
+            </a:pPr>
+            <a:r>
+              <a:rPr lang="en-US" sz="2400" dirty="0"/>
+              <a:t>Level 0: Swamp of POX</a:t>
+            </a:r>
+          </a:p>
+          <a:p>
+            <a:pPr marL="0" indent="0">
+              <a:buNone/>
+            </a:pPr>
+            <a:endParaRPr lang="en-US" sz="2400" dirty="0"/>
+          </a:p>
+          <a:p>
+            <a:pPr marL="0" indent="0">
+              <a:buNone/>
+            </a:pPr>
+            <a:r>
+              <a:rPr lang="en-US" sz="2400" dirty="0"/>
+              <a:t>These are typical </a:t>
+            </a:r>
+            <a:r>
+              <a:rPr lang="en-US" sz="2400" dirty="0">
+                <a:hlinkClick r:id="rId2"/>
+              </a:rPr>
+              <a:t>RPC POX</a:t>
+            </a:r>
+            <a:r>
+              <a:rPr lang="en-US" sz="2400" dirty="0"/>
+              <a:t> and many </a:t>
+            </a:r>
+            <a:r>
+              <a:rPr lang="en-US" sz="2400" dirty="0">
+                <a:hlinkClick r:id="rId3"/>
+              </a:rPr>
+              <a:t>SOAP</a:t>
+            </a:r>
+            <a:r>
+              <a:rPr lang="en-US" sz="2400" dirty="0"/>
+              <a:t> web services. </a:t>
+            </a:r>
+          </a:p>
+          <a:p>
+            <a:pPr marL="0" indent="0">
+              <a:buNone/>
+            </a:pPr>
+            <a:r>
+              <a:rPr lang="en-US" sz="2400" dirty="0"/>
+              <a:t>It exposes only one universal endpoint as the entry point (URI) and one kind of method which in HTTP, this normally is the POST method.</a:t>
+            </a:r>
+          </a:p>
+          <a:p>
+            <a:endParaRPr lang="en-US" dirty="0"/>
+          </a:p>
+        </p:txBody>
+      </p:sp>
+    </p:spTree>
+    <p:extLst>
+      <p:ext uri="{BB962C8B-B14F-4D97-AF65-F5344CB8AC3E}">
+        <p14:creationId xmlns:p14="http://schemas.microsoft.com/office/powerpoint/2010/main" val="2840114568"/>
+      </p:ext>
+    </p:extLst>
+  </p:cSld>
+  <p:clrMapOvr>
+    <a:masterClrMapping/>
+  </p:clrMapOvr>
+</p:sld>
+</file>
+
+<file path=ppt/slides/slide12.xml><?xml version="1.0" encoding="utf-8"?>
+<p:sld xmlns:a="http://schemas.openxmlformats.org/drawingml/2006/main" xmlns:r="http://schemas.openxmlformats.org/officeDocument/2006/relationships" xmlns:p="http://schemas.openxmlformats.org/presentationml/2006/main">
+  <p:cSld>
+    <p:spTree>
+      <p:nvGrpSpPr>
+        <p:cNvPr id="1" name=""/>
+        <p:cNvGrpSpPr/>
+        <p:nvPr/>
+      </p:nvGrpSpPr>
+      <p:grpSpPr>
+        <a:xfrm>
+          <a:off x="0" y="0"/>
+          <a:ext cx="0" cy="0"/>
+          <a:chOff x="0" y="0"/>
+          <a:chExt cx="0" cy="0"/>
+        </a:xfrm>
+      </p:grpSpPr>
+      <p:sp>
+        <p:nvSpPr>
+          <p:cNvPr id="2" name="Title 1">
+            <a:extLst>
+              <a:ext uri="{FF2B5EF4-FFF2-40B4-BE49-F238E27FC236}">
+                <a16:creationId xmlns:a16="http://schemas.microsoft.com/office/drawing/2014/main" id="{2C165356-D398-4E7A-9728-1B88D2B4F1FF}"/>
+              </a:ext>
+            </a:extLst>
+          </p:cNvPr>
+          <p:cNvSpPr>
+            <a:spLocks noGrp="1"/>
+          </p:cNvSpPr>
+          <p:nvPr>
+            <p:ph type="title"/>
+          </p:nvPr>
+        </p:nvSpPr>
+        <p:spPr/>
+        <p:txBody>
+          <a:bodyPr/>
+          <a:lstStyle/>
+          <a:p>
+            <a:r>
+              <a:rPr lang="en-US" dirty="0"/>
+              <a:t>Uniform Resource Identifiers</a:t>
+            </a:r>
+          </a:p>
+        </p:txBody>
+      </p:sp>
+      <p:sp>
+        <p:nvSpPr>
+          <p:cNvPr id="3" name="Content Placeholder 2">
+            <a:extLst>
+              <a:ext uri="{FF2B5EF4-FFF2-40B4-BE49-F238E27FC236}">
+                <a16:creationId xmlns:a16="http://schemas.microsoft.com/office/drawing/2014/main" id="{A56933E1-2755-4658-B91D-81ADBA9C70E9}"/>
+              </a:ext>
+            </a:extLst>
+          </p:cNvPr>
+          <p:cNvSpPr>
+            <a:spLocks noGrp="1"/>
+          </p:cNvSpPr>
+          <p:nvPr>
+            <p:ph idx="1"/>
+          </p:nvPr>
+        </p:nvSpPr>
+        <p:spPr/>
+        <p:txBody>
+          <a:bodyPr/>
+          <a:lstStyle/>
+          <a:p>
+            <a:pPr marL="0" indent="0">
+              <a:buNone/>
+            </a:pPr>
+            <a:r>
+              <a:rPr lang="en-US" dirty="0"/>
+              <a:t>Level 1: Resources</a:t>
+            </a:r>
+          </a:p>
+          <a:p>
+            <a:pPr marL="0" indent="0">
+              <a:buNone/>
+            </a:pPr>
+            <a:r>
+              <a:rPr lang="en-US" dirty="0"/>
+              <a:t>APIs that can distinguish between different resources are level 1. </a:t>
+            </a:r>
+          </a:p>
+          <a:p>
+            <a:pPr marL="0" indent="0">
+              <a:buNone/>
+            </a:pPr>
+            <a:r>
+              <a:rPr lang="en-US" dirty="0"/>
+              <a:t>This level uses multiple URIs.</a:t>
+            </a:r>
+          </a:p>
+          <a:p>
+            <a:pPr marL="0" indent="0">
+              <a:buNone/>
+            </a:pPr>
+            <a:r>
+              <a:rPr lang="en-US" dirty="0"/>
+              <a:t>Every URI is the entry point to a specific resource. </a:t>
+            </a:r>
+          </a:p>
+          <a:p>
+            <a:pPr marL="0" indent="0">
+              <a:buNone/>
+            </a:pPr>
+            <a:r>
+              <a:rPr lang="en-US" dirty="0"/>
+              <a:t>Examples are: </a:t>
+            </a:r>
+          </a:p>
+          <a:p>
+            <a:pPr marL="914400" lvl="2" indent="0">
+              <a:buNone/>
+            </a:pPr>
+            <a:r>
+              <a:rPr lang="en-US" dirty="0">
+                <a:hlinkClick r:id="rId2"/>
+              </a:rPr>
+              <a:t>http://example.org/articles</a:t>
+            </a:r>
+            <a:endParaRPr lang="en-US" dirty="0"/>
+          </a:p>
+          <a:p>
+            <a:pPr marL="914400" lvl="2" indent="0">
+              <a:buNone/>
+            </a:pPr>
+            <a:r>
+              <a:rPr lang="en-US" dirty="0">
+                <a:hlinkClick r:id="rId3"/>
+              </a:rPr>
+              <a:t>http://example.org/article/1</a:t>
+            </a:r>
+            <a:endParaRPr lang="en-US" dirty="0"/>
+          </a:p>
+          <a:p>
+            <a:pPr marL="914400" lvl="2" indent="0">
+              <a:buNone/>
+            </a:pPr>
+            <a:r>
+              <a:rPr lang="en-US" dirty="0">
+                <a:hlinkClick r:id="rId4"/>
+              </a:rPr>
+              <a:t>http://example.org/article/2</a:t>
+            </a:r>
+            <a:endParaRPr lang="en-US" dirty="0"/>
+          </a:p>
+          <a:p>
+            <a:pPr marL="0" indent="0">
+              <a:buNone/>
+            </a:pPr>
+            <a:r>
+              <a:rPr lang="en-US" dirty="0"/>
+              <a:t>But this level uses only one single method like POST.</a:t>
+            </a:r>
+          </a:p>
+        </p:txBody>
+      </p:sp>
+    </p:spTree>
+    <p:extLst>
+      <p:ext uri="{BB962C8B-B14F-4D97-AF65-F5344CB8AC3E}">
+        <p14:creationId xmlns:p14="http://schemas.microsoft.com/office/powerpoint/2010/main" val="3402668840"/>
+      </p:ext>
+    </p:extLst>
+  </p:cSld>
+  <p:clrMapOvr>
+    <a:masterClrMapping/>
+  </p:clrMapOvr>
+</p:sld>
+</file>
+
+<file path=ppt/slides/slide13.xml><?xml version="1.0" encoding="utf-8"?>
+<p:sld xmlns:a="http://schemas.openxmlformats.org/drawingml/2006/main" xmlns:r="http://schemas.openxmlformats.org/officeDocument/2006/relationships" xmlns:p="http://schemas.openxmlformats.org/presentationml/2006/main">
+  <p:cSld>
+    <p:spTree>
+      <p:nvGrpSpPr>
+        <p:cNvPr id="1" name=""/>
+        <p:cNvGrpSpPr/>
+        <p:nvPr/>
+      </p:nvGrpSpPr>
+      <p:grpSpPr>
+        <a:xfrm>
+          <a:off x="0" y="0"/>
+          <a:ext cx="0" cy="0"/>
+          <a:chOff x="0" y="0"/>
+          <a:chExt cx="0" cy="0"/>
+        </a:xfrm>
+      </p:grpSpPr>
+      <p:sp>
+        <p:nvSpPr>
+          <p:cNvPr id="2" name="Title 1">
+            <a:extLst>
+              <a:ext uri="{FF2B5EF4-FFF2-40B4-BE49-F238E27FC236}">
+                <a16:creationId xmlns:a16="http://schemas.microsoft.com/office/drawing/2014/main" id="{88D78436-C69C-464B-B6A4-70C81715BF47}"/>
+              </a:ext>
+            </a:extLst>
+          </p:cNvPr>
+          <p:cNvSpPr>
+            <a:spLocks noGrp="1"/>
+          </p:cNvSpPr>
+          <p:nvPr>
+            <p:ph type="title"/>
+          </p:nvPr>
+        </p:nvSpPr>
+        <p:spPr/>
+        <p:txBody>
+          <a:bodyPr/>
+          <a:lstStyle/>
+          <a:p>
+            <a:r>
+              <a:rPr lang="en-US" dirty="0"/>
+              <a:t>Actions</a:t>
+            </a:r>
+          </a:p>
+        </p:txBody>
+      </p:sp>
+      <p:sp>
+        <p:nvSpPr>
+          <p:cNvPr id="3" name="Content Placeholder 2">
+            <a:extLst>
+              <a:ext uri="{FF2B5EF4-FFF2-40B4-BE49-F238E27FC236}">
+                <a16:creationId xmlns:a16="http://schemas.microsoft.com/office/drawing/2014/main" id="{9F4689F9-0DA3-4328-948D-3EEC0D42D007}"/>
+              </a:ext>
+            </a:extLst>
+          </p:cNvPr>
+          <p:cNvSpPr>
+            <a:spLocks noGrp="1"/>
+          </p:cNvSpPr>
+          <p:nvPr>
+            <p:ph idx="1"/>
+          </p:nvPr>
+        </p:nvSpPr>
+        <p:spPr/>
+        <p:txBody>
+          <a:bodyPr/>
+          <a:lstStyle/>
+          <a:p>
+            <a:pPr marL="0" indent="0">
+              <a:buNone/>
+            </a:pPr>
+            <a:r>
+              <a:rPr lang="en-US" dirty="0"/>
+              <a:t>Level 2: HTTP verbs</a:t>
+            </a:r>
+          </a:p>
+          <a:p>
+            <a:pPr marL="0" indent="0">
+              <a:buNone/>
+            </a:pPr>
+            <a:endParaRPr lang="en-US" dirty="0"/>
+          </a:p>
+          <a:p>
+            <a:pPr marL="0" indent="0">
+              <a:buNone/>
+            </a:pPr>
+            <a:r>
+              <a:rPr lang="en-US" dirty="0"/>
+              <a:t>Yes you would be right to think Roy Feilding would have a fit.</a:t>
+            </a:r>
+          </a:p>
+          <a:p>
+            <a:pPr marL="0" indent="0">
+              <a:buNone/>
+            </a:pPr>
+            <a:r>
+              <a:rPr lang="en-US" dirty="0"/>
+              <a:t>Richardson said that at this level 2 that the API MUST use HTTP verbs. </a:t>
+            </a:r>
+          </a:p>
+          <a:p>
+            <a:pPr marL="0" indent="0">
+              <a:buNone/>
+            </a:pPr>
+            <a:endParaRPr lang="en-US" dirty="0"/>
+          </a:p>
+          <a:p>
+            <a:pPr marL="0" indent="0">
+              <a:buNone/>
+            </a:pPr>
+            <a:r>
+              <a:rPr lang="en-US" dirty="0"/>
+              <a:t>But REST is an architectural style that should be completely protocol agnostic.</a:t>
+            </a:r>
+          </a:p>
+          <a:p>
+            <a:pPr marL="0" indent="0">
+              <a:buNone/>
+            </a:pPr>
+            <a:r>
+              <a:rPr lang="en-US" dirty="0"/>
+              <a:t>So if you want to use a different protocol, your API can still be RESTful.</a:t>
+            </a:r>
+          </a:p>
+        </p:txBody>
+      </p:sp>
+    </p:spTree>
+    <p:extLst>
+      <p:ext uri="{BB962C8B-B14F-4D97-AF65-F5344CB8AC3E}">
+        <p14:creationId xmlns:p14="http://schemas.microsoft.com/office/powerpoint/2010/main" val="555480009"/>
+      </p:ext>
+    </p:extLst>
+  </p:cSld>
+  <p:clrMapOvr>
+    <a:masterClrMapping/>
+  </p:clrMapOvr>
+</p:sld>
+</file>
+
+<file path=ppt/slides/slide14.xml><?xml version="1.0" encoding="utf-8"?>
+<p:sld xmlns:a="http://schemas.openxmlformats.org/drawingml/2006/main" xmlns:r="http://schemas.openxmlformats.org/officeDocument/2006/relationships" xmlns:p="http://schemas.openxmlformats.org/presentationml/2006/main">
+  <p:cSld>
+    <p:spTree>
+      <p:nvGrpSpPr>
+        <p:cNvPr id="1" name=""/>
+        <p:cNvGrpSpPr/>
+        <p:nvPr/>
+      </p:nvGrpSpPr>
+      <p:grpSpPr>
+        <a:xfrm>
+          <a:off x="0" y="0"/>
+          <a:ext cx="0" cy="0"/>
+          <a:chOff x="0" y="0"/>
+          <a:chExt cx="0" cy="0"/>
+        </a:xfrm>
+      </p:grpSpPr>
+      <p:sp>
+        <p:nvSpPr>
+          <p:cNvPr id="2" name="Title 1">
+            <a:extLst>
+              <a:ext uri="{FF2B5EF4-FFF2-40B4-BE49-F238E27FC236}">
+                <a16:creationId xmlns:a16="http://schemas.microsoft.com/office/drawing/2014/main" id="{6EB904A0-210C-4813-AACB-6BA18F42F767}"/>
+              </a:ext>
+            </a:extLst>
+          </p:cNvPr>
+          <p:cNvSpPr>
+            <a:spLocks noGrp="1"/>
+          </p:cNvSpPr>
+          <p:nvPr>
+            <p:ph type="title"/>
+          </p:nvPr>
+        </p:nvSpPr>
+        <p:spPr/>
+        <p:txBody>
+          <a:bodyPr/>
+          <a:lstStyle/>
+          <a:p>
+            <a:r>
+              <a:rPr lang="en-US" dirty="0"/>
+              <a:t>Hypermedia controls</a:t>
+            </a:r>
+          </a:p>
+        </p:txBody>
+      </p:sp>
+      <p:sp>
+        <p:nvSpPr>
+          <p:cNvPr id="3" name="Content Placeholder 2">
+            <a:extLst>
+              <a:ext uri="{FF2B5EF4-FFF2-40B4-BE49-F238E27FC236}">
+                <a16:creationId xmlns:a16="http://schemas.microsoft.com/office/drawing/2014/main" id="{3822F71A-6910-43AE-8BF6-4BE30ADBB178}"/>
+              </a:ext>
+            </a:extLst>
+          </p:cNvPr>
+          <p:cNvSpPr>
+            <a:spLocks noGrp="1"/>
+          </p:cNvSpPr>
+          <p:nvPr>
+            <p:ph idx="1"/>
+          </p:nvPr>
+        </p:nvSpPr>
+        <p:spPr/>
+        <p:txBody>
+          <a:bodyPr/>
+          <a:lstStyle/>
+          <a:p>
+            <a:pPr marL="0" indent="0">
+              <a:buNone/>
+            </a:pPr>
+            <a:r>
+              <a:rPr lang="en-US" dirty="0"/>
+              <a:t>Level 3: Hypermedia controls</a:t>
+            </a:r>
+          </a:p>
+          <a:p>
+            <a:pPr marL="0" indent="0">
+              <a:buNone/>
+            </a:pPr>
+            <a:endParaRPr lang="en-US" dirty="0"/>
+          </a:p>
+          <a:p>
+            <a:pPr marL="0" indent="0">
+              <a:buNone/>
+            </a:pPr>
+            <a:r>
+              <a:rPr lang="en-US" dirty="0"/>
+              <a:t>The highest level, uses HATEOAS to deal with discovering the possibilities of your API towards the clients.</a:t>
+            </a:r>
+          </a:p>
+          <a:p>
+            <a:pPr marL="0" indent="0">
+              <a:buNone/>
+            </a:pPr>
+            <a:endParaRPr lang="en-US" dirty="0"/>
+          </a:p>
+          <a:p>
+            <a:pPr marL="0" indent="0">
+              <a:buNone/>
+            </a:pPr>
+            <a:r>
+              <a:rPr lang="en-US" dirty="0"/>
+              <a:t>An that my friends is what we are here for.</a:t>
+            </a:r>
+          </a:p>
+        </p:txBody>
+      </p:sp>
+    </p:spTree>
+    <p:extLst>
+      <p:ext uri="{BB962C8B-B14F-4D97-AF65-F5344CB8AC3E}">
+        <p14:creationId xmlns:p14="http://schemas.microsoft.com/office/powerpoint/2010/main" val="3743668901"/>
+      </p:ext>
+    </p:extLst>
+  </p:cSld>
+  <p:clrMapOvr>
+    <a:masterClrMapping/>
+  </p:clrMapOvr>
+</p:sld>
+</file>
+
+<file path=ppt/slides/slide15.xml><?xml version="1.0" encoding="utf-8"?>
+<p:sld xmlns:a="http://schemas.openxmlformats.org/drawingml/2006/main" xmlns:r="http://schemas.openxmlformats.org/officeDocument/2006/relationships" xmlns:p="http://schemas.openxmlformats.org/presentationml/2006/main">
+  <p:cSld>
+    <p:spTree>
+      <p:nvGrpSpPr>
+        <p:cNvPr id="1" name=""/>
+        <p:cNvGrpSpPr/>
+        <p:nvPr/>
+      </p:nvGrpSpPr>
+      <p:grpSpPr>
+        <a:xfrm>
+          <a:off x="0" y="0"/>
+          <a:ext cx="0" cy="0"/>
+          <a:chOff x="0" y="0"/>
+          <a:chExt cx="0" cy="0"/>
+        </a:xfrm>
+      </p:grpSpPr>
+      <p:sp>
+        <p:nvSpPr>
+          <p:cNvPr id="2" name="Title 1">
+            <a:extLst>
+              <a:ext uri="{FF2B5EF4-FFF2-40B4-BE49-F238E27FC236}">
+                <a16:creationId xmlns:a16="http://schemas.microsoft.com/office/drawing/2014/main" id="{8B6AC353-6F91-4E97-BAE7-ABD2FB647420}"/>
+              </a:ext>
+            </a:extLst>
+          </p:cNvPr>
+          <p:cNvSpPr>
+            <a:spLocks noGrp="1"/>
+          </p:cNvSpPr>
+          <p:nvPr>
+            <p:ph type="title"/>
+          </p:nvPr>
+        </p:nvSpPr>
+        <p:spPr/>
+        <p:txBody>
+          <a:bodyPr/>
+          <a:lstStyle/>
+          <a:p>
+            <a:r>
+              <a:rPr lang="en-US" dirty="0"/>
+              <a:t>HATEOAS</a:t>
+            </a:r>
+          </a:p>
+        </p:txBody>
+      </p:sp>
+      <p:sp>
+        <p:nvSpPr>
+          <p:cNvPr id="3" name="Content Placeholder 2">
+            <a:extLst>
+              <a:ext uri="{FF2B5EF4-FFF2-40B4-BE49-F238E27FC236}">
+                <a16:creationId xmlns:a16="http://schemas.microsoft.com/office/drawing/2014/main" id="{F1D1E9FE-42A9-4F95-91BF-AF203DF5FF81}"/>
+              </a:ext>
+            </a:extLst>
+          </p:cNvPr>
+          <p:cNvSpPr>
+            <a:spLocks noGrp="1"/>
+          </p:cNvSpPr>
+          <p:nvPr>
+            <p:ph idx="1"/>
+          </p:nvPr>
+        </p:nvSpPr>
+        <p:spPr/>
+        <p:txBody>
+          <a:bodyPr/>
+          <a:lstStyle/>
+          <a:p>
+            <a:pPr marL="0" indent="0">
+              <a:buNone/>
+            </a:pPr>
+            <a:r>
+              <a:rPr lang="en-US" dirty="0"/>
+              <a:t>Typically, when we perform a REST request, we only get the data and not any actions around it. </a:t>
+            </a:r>
+          </a:p>
+          <a:p>
+            <a:pPr marL="0" indent="0">
+              <a:buNone/>
+            </a:pPr>
+            <a:endParaRPr lang="en-US" dirty="0"/>
+          </a:p>
+          <a:p>
+            <a:pPr marL="0" indent="0">
+              <a:buNone/>
+            </a:pPr>
+            <a:r>
+              <a:rPr lang="en-US" dirty="0"/>
+              <a:t>This is where HATEOAS comes in the fill in the gap.</a:t>
+            </a:r>
+          </a:p>
+          <a:p>
+            <a:pPr marL="0" indent="0">
+              <a:buNone/>
+            </a:pPr>
+            <a:endParaRPr lang="en-US" dirty="0"/>
+          </a:p>
+          <a:p>
+            <a:pPr marL="0" indent="0">
+              <a:buNone/>
+            </a:pPr>
+            <a:r>
+              <a:rPr lang="en-US" dirty="0"/>
+              <a:t>A HATEOAS request allows you to not only send the data but also specify the related actions. </a:t>
+            </a:r>
+          </a:p>
+          <a:p>
+            <a:pPr marL="0" indent="0">
+              <a:buNone/>
+            </a:pPr>
+            <a:endParaRPr lang="en-US" dirty="0"/>
+          </a:p>
+          <a:p>
+            <a:pPr marL="0" indent="0">
+              <a:buNone/>
+            </a:pPr>
+            <a:r>
+              <a:rPr lang="en-US" dirty="0"/>
+              <a:t>See the </a:t>
+            </a:r>
+            <a:r>
+              <a:rPr lang="en-US" dirty="0">
+                <a:hlinkClick r:id="rId2"/>
+              </a:rPr>
+              <a:t>HAL-Hypertext Application Language </a:t>
+            </a:r>
+            <a:r>
+              <a:rPr lang="en-US" dirty="0"/>
+              <a:t>for detailed examples.</a:t>
+            </a:r>
+          </a:p>
+        </p:txBody>
+      </p:sp>
+    </p:spTree>
+    <p:extLst>
+      <p:ext uri="{BB962C8B-B14F-4D97-AF65-F5344CB8AC3E}">
+        <p14:creationId xmlns:p14="http://schemas.microsoft.com/office/powerpoint/2010/main" val="1993998352"/>
+      </p:ext>
+    </p:extLst>
+  </p:cSld>
+  <p:clrMapOvr>
+    <a:masterClrMapping/>
+  </p:clrMapOvr>
+</p:sld>
+</file>
+
+<file path=ppt/slides/slide16.xml><?xml version="1.0" encoding="utf-8"?>
+<p:sld xmlns:a="http://schemas.openxmlformats.org/drawingml/2006/main" xmlns:r="http://schemas.openxmlformats.org/officeDocument/2006/relationships" xmlns:p="http://schemas.openxmlformats.org/presentationml/2006/main">
+  <p:cSld>
+    <p:spTree>
+      <p:nvGrpSpPr>
+        <p:cNvPr id="1" name=""/>
+        <p:cNvGrpSpPr/>
+        <p:nvPr/>
+      </p:nvGrpSpPr>
+      <p:grpSpPr>
+        <a:xfrm>
+          <a:off x="0" y="0"/>
+          <a:ext cx="0" cy="0"/>
+          <a:chOff x="0" y="0"/>
+          <a:chExt cx="0" cy="0"/>
+        </a:xfrm>
+      </p:grpSpPr>
+      <p:sp>
+        <p:nvSpPr>
+          <p:cNvPr id="2" name="Title 1">
+            <a:extLst>
+              <a:ext uri="{FF2B5EF4-FFF2-40B4-BE49-F238E27FC236}">
+                <a16:creationId xmlns:a16="http://schemas.microsoft.com/office/drawing/2014/main" id="{DBE319B1-7024-49CF-A35E-97A0A443440A}"/>
+              </a:ext>
+            </a:extLst>
+          </p:cNvPr>
+          <p:cNvSpPr>
+            <a:spLocks noGrp="1"/>
+          </p:cNvSpPr>
+          <p:nvPr>
+            <p:ph type="title"/>
+          </p:nvPr>
+        </p:nvSpPr>
+        <p:spPr/>
+        <p:txBody>
+          <a:bodyPr/>
+          <a:lstStyle/>
+          <a:p>
+            <a:r>
+              <a:rPr lang="en-US" dirty="0"/>
+              <a:t>Enough talk!!</a:t>
+            </a:r>
+          </a:p>
+        </p:txBody>
+      </p:sp>
+      <p:sp>
+        <p:nvSpPr>
+          <p:cNvPr id="3" name="Content Placeholder 2">
+            <a:extLst>
+              <a:ext uri="{FF2B5EF4-FFF2-40B4-BE49-F238E27FC236}">
+                <a16:creationId xmlns:a16="http://schemas.microsoft.com/office/drawing/2014/main" id="{B75608B2-41A7-4A4A-A702-189174F331D8}"/>
+              </a:ext>
+            </a:extLst>
+          </p:cNvPr>
+          <p:cNvSpPr>
+            <a:spLocks noGrp="1"/>
+          </p:cNvSpPr>
+          <p:nvPr>
+            <p:ph idx="1"/>
+          </p:nvPr>
+        </p:nvSpPr>
+        <p:spPr/>
+        <p:txBody>
+          <a:bodyPr/>
+          <a:lstStyle/>
+          <a:p>
+            <a:pPr marL="0" indent="0">
+              <a:buNone/>
+            </a:pPr>
+            <a:r>
+              <a:rPr lang="en-US" dirty="0"/>
+              <a:t>It is time for the walkthrough and demo.</a:t>
+            </a:r>
+          </a:p>
+        </p:txBody>
+      </p:sp>
+      <p:pic>
+        <p:nvPicPr>
+          <p:cNvPr id="5" name="Picture 4">
+            <a:extLst>
+              <a:ext uri="{FF2B5EF4-FFF2-40B4-BE49-F238E27FC236}">
+                <a16:creationId xmlns:a16="http://schemas.microsoft.com/office/drawing/2014/main" id="{23B0E0C3-438B-4CF7-9729-3A7015B8B2FC}"/>
+              </a:ext>
+            </a:extLst>
+          </p:cNvPr>
+          <p:cNvPicPr>
+            <a:picLocks noChangeAspect="1"/>
+          </p:cNvPicPr>
+          <p:nvPr/>
+        </p:nvPicPr>
+        <p:blipFill>
+          <a:blip r:embed="rId2">
+            <a:extLst>
+              <a:ext uri="{28A0092B-C50C-407E-A947-70E740481C1C}">
+                <a14:useLocalDpi xmlns:a14="http://schemas.microsoft.com/office/drawing/2010/main" val="0"/>
+              </a:ext>
+            </a:extLst>
+          </a:blip>
+          <a:stretch>
+            <a:fillRect/>
+          </a:stretch>
+        </p:blipFill>
+        <p:spPr>
+          <a:xfrm>
+            <a:off x="4164419" y="2966071"/>
+            <a:ext cx="4653516" cy="3252614"/>
+          </a:xfrm>
+          <a:prstGeom prst="rect">
+            <a:avLst/>
+          </a:prstGeom>
+        </p:spPr>
+      </p:pic>
+    </p:spTree>
+    <p:extLst>
+      <p:ext uri="{BB962C8B-B14F-4D97-AF65-F5344CB8AC3E}">
+        <p14:creationId xmlns:p14="http://schemas.microsoft.com/office/powerpoint/2010/main" val="3909728854"/>
+      </p:ext>
+    </p:extLst>
+  </p:cSld>
+  <p:clrMapOvr>
+    <a:masterClrMapping/>
+  </p:clrMapOvr>
+</p:sld>
+</file>
+
+<file path=ppt/slides/slide17.xml><?xml version="1.0" encoding="utf-8"?>
+<p:sld xmlns:a="http://schemas.openxmlformats.org/drawingml/2006/main" xmlns:r="http://schemas.openxmlformats.org/officeDocument/2006/relationships" xmlns:p="http://schemas.openxmlformats.org/presentationml/2006/main">
+  <p:cSld>
+    <p:spTree>
+      <p:nvGrpSpPr>
+        <p:cNvPr id="1" name=""/>
+        <p:cNvGrpSpPr/>
+        <p:nvPr/>
+      </p:nvGrpSpPr>
+      <p:grpSpPr>
+        <a:xfrm>
+          <a:off x="0" y="0"/>
+          <a:ext cx="0" cy="0"/>
+          <a:chOff x="0" y="0"/>
+          <a:chExt cx="0" cy="0"/>
+        </a:xfrm>
+      </p:grpSpPr>
+      <p:sp>
+        <p:nvSpPr>
+          <p:cNvPr id="2" name="Title 1">
+            <a:extLst>
+              <a:ext uri="{FF2B5EF4-FFF2-40B4-BE49-F238E27FC236}">
+                <a16:creationId xmlns:a16="http://schemas.microsoft.com/office/drawing/2014/main" id="{7953D227-8F76-4906-9705-BE008010AE04}"/>
+              </a:ext>
+            </a:extLst>
+          </p:cNvPr>
+          <p:cNvSpPr>
+            <a:spLocks noGrp="1"/>
+          </p:cNvSpPr>
+          <p:nvPr>
+            <p:ph type="title"/>
+          </p:nvPr>
+        </p:nvSpPr>
+        <p:spPr/>
+        <p:txBody>
+          <a:bodyPr/>
+          <a:lstStyle/>
+          <a:p>
+            <a:r>
+              <a:rPr lang="en-US" dirty="0"/>
+              <a:t>Where to get the goodies</a:t>
+            </a:r>
+          </a:p>
+        </p:txBody>
+      </p:sp>
+      <p:sp>
+        <p:nvSpPr>
+          <p:cNvPr id="3" name="Content Placeholder 2">
+            <a:extLst>
+              <a:ext uri="{FF2B5EF4-FFF2-40B4-BE49-F238E27FC236}">
+                <a16:creationId xmlns:a16="http://schemas.microsoft.com/office/drawing/2014/main" id="{D9089FB3-0DB7-4A2A-A7B7-35B3A815FAB6}"/>
+              </a:ext>
+            </a:extLst>
+          </p:cNvPr>
+          <p:cNvSpPr>
+            <a:spLocks noGrp="1"/>
+          </p:cNvSpPr>
+          <p:nvPr>
+            <p:ph idx="1"/>
+          </p:nvPr>
+        </p:nvSpPr>
+        <p:spPr/>
+        <p:txBody>
+          <a:bodyPr/>
+          <a:lstStyle/>
+          <a:p>
+            <a:pPr marL="0" indent="0">
+              <a:buNone/>
+            </a:pPr>
+            <a:r>
+              <a:rPr lang="en-US" dirty="0"/>
+              <a:t>Everything is located at this public repository: </a:t>
+            </a:r>
+          </a:p>
+          <a:p>
+            <a:pPr marL="0" indent="0">
+              <a:buNone/>
+            </a:pPr>
+            <a:r>
+              <a:rPr lang="en-US" dirty="0" err="1">
+                <a:hlinkClick r:id="rId2"/>
+              </a:rPr>
+              <a:t>RonGarlit</a:t>
+            </a:r>
+            <a:r>
+              <a:rPr lang="en-US" dirty="0">
+                <a:hlinkClick r:id="rId2"/>
+              </a:rPr>
+              <a:t>/</a:t>
+            </a:r>
+            <a:r>
+              <a:rPr lang="en-US" dirty="0" err="1">
+                <a:hlinkClick r:id="rId2"/>
+              </a:rPr>
+              <a:t>RESTfulApiDemo</a:t>
+            </a:r>
+            <a:r>
+              <a:rPr lang="en-US">
+                <a:hlinkClick r:id="rId2"/>
+              </a:rPr>
+              <a:t> (github.com)</a:t>
+            </a:r>
+            <a:endParaRPr lang="en-US"/>
+          </a:p>
+          <a:p>
+            <a:pPr marL="0" indent="0">
+              <a:buNone/>
+            </a:pPr>
+            <a:endParaRPr lang="en-US"/>
+          </a:p>
+        </p:txBody>
+      </p:sp>
+    </p:spTree>
+    <p:extLst>
+      <p:ext uri="{BB962C8B-B14F-4D97-AF65-F5344CB8AC3E}">
+        <p14:creationId xmlns:p14="http://schemas.microsoft.com/office/powerpoint/2010/main" val="1125720544"/>
+      </p:ext>
+    </p:extLst>
+  </p:cSld>
+  <p:clrMapOvr>
+    <a:masterClrMapping/>
+  </p:clrMapOvr>
+</p:sld>
+</file>
+
 <file path=ppt/slides/slide2.xml><?xml version="1.0" encoding="utf-8"?>
 <p:sld xmlns:a="http://schemas.openxmlformats.org/drawingml/2006/main" xmlns:r="http://schemas.openxmlformats.org/officeDocument/2006/relationships" xmlns:p="http://schemas.openxmlformats.org/presentationml/2006/main">
   <p:cSld>
@@ -6645,7 +7745,16 @@
             </a:pPr>
             <a:r>
               <a:rPr lang="en-US" dirty="0"/>
-              <a:t>They are in the same, but only in the way that a skyscraper is the same as a residential single-family home.  </a:t>
+              <a:t>GRAY AREA ALERT!</a:t>
+            </a:r>
+          </a:p>
+          <a:p>
+            <a:pPr marL="0" indent="0">
+              <a:buNone/>
+            </a:pPr>
+            <a:r>
+              <a:rPr lang="en-US" dirty="0"/>
+              <a:t>They are the same, but only in the way that a skyscraper is the same as a residential single-family home.  </a:t>
             </a:r>
           </a:p>
           <a:p>
@@ -6675,6 +7784,295 @@
     <p:extLst>
       <p:ext uri="{BB962C8B-B14F-4D97-AF65-F5344CB8AC3E}">
         <p14:creationId xmlns:p14="http://schemas.microsoft.com/office/powerpoint/2010/main" val="2833152095"/>
+      </p:ext>
+    </p:extLst>
+  </p:cSld>
+  <p:clrMapOvr>
+    <a:masterClrMapping/>
+  </p:clrMapOvr>
+</p:sld>
+</file>
+
+<file path=ppt/slides/slide8.xml><?xml version="1.0" encoding="utf-8"?>
+<p:sld xmlns:a="http://schemas.openxmlformats.org/drawingml/2006/main" xmlns:r="http://schemas.openxmlformats.org/officeDocument/2006/relationships" xmlns:p="http://schemas.openxmlformats.org/presentationml/2006/main">
+  <p:cSld>
+    <p:spTree>
+      <p:nvGrpSpPr>
+        <p:cNvPr id="1" name=""/>
+        <p:cNvGrpSpPr/>
+        <p:nvPr/>
+      </p:nvGrpSpPr>
+      <p:grpSpPr>
+        <a:xfrm>
+          <a:off x="0" y="0"/>
+          <a:ext cx="0" cy="0"/>
+          <a:chOff x="0" y="0"/>
+          <a:chExt cx="0" cy="0"/>
+        </a:xfrm>
+      </p:grpSpPr>
+      <p:sp>
+        <p:nvSpPr>
+          <p:cNvPr id="2" name="Title 1">
+            <a:extLst>
+              <a:ext uri="{FF2B5EF4-FFF2-40B4-BE49-F238E27FC236}">
+                <a16:creationId xmlns:a16="http://schemas.microsoft.com/office/drawing/2014/main" id="{62EAA64F-D23C-4C50-A7C1-C2B5E848DAEA}"/>
+              </a:ext>
+            </a:extLst>
+          </p:cNvPr>
+          <p:cNvSpPr>
+            <a:spLocks noGrp="1"/>
+          </p:cNvSpPr>
+          <p:nvPr>
+            <p:ph type="title"/>
+          </p:nvPr>
+        </p:nvSpPr>
+        <p:spPr/>
+        <p:txBody>
+          <a:bodyPr/>
+          <a:lstStyle/>
+          <a:p>
+            <a:r>
+              <a:rPr lang="en-US" dirty="0"/>
+              <a:t>The fight for sanity</a:t>
+            </a:r>
+          </a:p>
+        </p:txBody>
+      </p:sp>
+      <p:sp>
+        <p:nvSpPr>
+          <p:cNvPr id="3" name="Content Placeholder 2">
+            <a:extLst>
+              <a:ext uri="{FF2B5EF4-FFF2-40B4-BE49-F238E27FC236}">
+                <a16:creationId xmlns:a16="http://schemas.microsoft.com/office/drawing/2014/main" id="{7858B7E0-81C1-49AB-B92F-DEEF2D615F62}"/>
+              </a:ext>
+            </a:extLst>
+          </p:cNvPr>
+          <p:cNvSpPr>
+            <a:spLocks noGrp="1"/>
+          </p:cNvSpPr>
+          <p:nvPr>
+            <p:ph idx="1"/>
+          </p:nvPr>
+        </p:nvSpPr>
+        <p:spPr/>
+        <p:txBody>
+          <a:bodyPr/>
+          <a:lstStyle/>
+          <a:p>
+            <a:pPr marL="0" indent="0">
+              <a:buNone/>
+            </a:pPr>
+            <a:r>
+              <a:rPr lang="en-US" dirty="0"/>
+              <a:t>Opinions are varied and strong.</a:t>
+            </a:r>
+          </a:p>
+          <a:p>
+            <a:pPr marL="914400" lvl="2" indent="0">
+              <a:buNone/>
+            </a:pPr>
+            <a:r>
+              <a:rPr lang="en-US" dirty="0"/>
+              <a:t>Developer A: It’s REST.</a:t>
+            </a:r>
+          </a:p>
+          <a:p>
+            <a:pPr marL="914400" lvl="2" indent="0">
+              <a:buNone/>
+            </a:pPr>
+            <a:r>
+              <a:rPr lang="en-US" dirty="0"/>
+              <a:t>Developer B: No RESTful.</a:t>
+            </a:r>
+          </a:p>
+          <a:p>
+            <a:pPr marL="914400" lvl="2" indent="0">
+              <a:buNone/>
+            </a:pPr>
+            <a:r>
+              <a:rPr lang="en-US" dirty="0"/>
+              <a:t>Developer A: They are NOT the same!</a:t>
+            </a:r>
+          </a:p>
+          <a:p>
+            <a:pPr marL="914400" lvl="2" indent="0">
+              <a:buNone/>
+            </a:pPr>
+            <a:r>
+              <a:rPr lang="en-US" dirty="0"/>
+              <a:t>Developer B: Yes they are!</a:t>
+            </a:r>
+          </a:p>
+          <a:p>
+            <a:pPr marL="914400" lvl="2" indent="0">
+              <a:buNone/>
+            </a:pPr>
+            <a:r>
+              <a:rPr lang="en-US" dirty="0"/>
+              <a:t>…</a:t>
+            </a:r>
+          </a:p>
+          <a:p>
+            <a:pPr marL="0" indent="0">
+              <a:buNone/>
+            </a:pPr>
+            <a:r>
+              <a:rPr lang="en-US" dirty="0"/>
+              <a:t>An that argument continues even to this day.</a:t>
+            </a:r>
+          </a:p>
+          <a:p>
+            <a:pPr marL="0" indent="0">
+              <a:buNone/>
+            </a:pPr>
+            <a:r>
+              <a:rPr lang="en-US" dirty="0"/>
+              <a:t>But, meanwhile in 2008 while Roy Feilding was having a fit. </a:t>
+            </a:r>
+          </a:p>
+          <a:p>
+            <a:pPr marL="0" indent="0">
+              <a:buNone/>
+            </a:pPr>
+            <a:r>
+              <a:rPr lang="en-US" dirty="0"/>
+              <a:t>Leonard Richardson defined a “Maturity Model” that classifies Web APIs based on their adherence and conformity to each of the model's four levels.</a:t>
+            </a:r>
+          </a:p>
+          <a:p>
+            <a:endParaRPr lang="en-US" dirty="0"/>
+          </a:p>
+        </p:txBody>
+      </p:sp>
+    </p:spTree>
+    <p:extLst>
+      <p:ext uri="{BB962C8B-B14F-4D97-AF65-F5344CB8AC3E}">
+        <p14:creationId xmlns:p14="http://schemas.microsoft.com/office/powerpoint/2010/main" val="2877463534"/>
+      </p:ext>
+    </p:extLst>
+  </p:cSld>
+  <p:clrMapOvr>
+    <a:masterClrMapping/>
+  </p:clrMapOvr>
+</p:sld>
+</file>
+
+<file path=ppt/slides/slide9.xml><?xml version="1.0" encoding="utf-8"?>
+<p:sld xmlns:a="http://schemas.openxmlformats.org/drawingml/2006/main" xmlns:r="http://schemas.openxmlformats.org/officeDocument/2006/relationships" xmlns:p="http://schemas.openxmlformats.org/presentationml/2006/main">
+  <p:cSld>
+    <p:spTree>
+      <p:nvGrpSpPr>
+        <p:cNvPr id="1" name=""/>
+        <p:cNvGrpSpPr/>
+        <p:nvPr/>
+      </p:nvGrpSpPr>
+      <p:grpSpPr>
+        <a:xfrm>
+          <a:off x="0" y="0"/>
+          <a:ext cx="0" cy="0"/>
+          <a:chOff x="0" y="0"/>
+          <a:chExt cx="0" cy="0"/>
+        </a:xfrm>
+      </p:grpSpPr>
+      <p:sp>
+        <p:nvSpPr>
+          <p:cNvPr id="2" name="Title 1">
+            <a:extLst>
+              <a:ext uri="{FF2B5EF4-FFF2-40B4-BE49-F238E27FC236}">
+                <a16:creationId xmlns:a16="http://schemas.microsoft.com/office/drawing/2014/main" id="{46077605-5528-47DA-813C-70F84E185636}"/>
+              </a:ext>
+            </a:extLst>
+          </p:cNvPr>
+          <p:cNvSpPr>
+            <a:spLocks noGrp="1"/>
+          </p:cNvSpPr>
+          <p:nvPr>
+            <p:ph type="title"/>
+          </p:nvPr>
+        </p:nvSpPr>
+        <p:spPr/>
+        <p:txBody>
+          <a:bodyPr/>
+          <a:lstStyle/>
+          <a:p>
+            <a:r>
+              <a:rPr lang="en-US" dirty="0"/>
+              <a:t>Leonard to the rescue!</a:t>
+            </a:r>
+          </a:p>
+        </p:txBody>
+      </p:sp>
+      <p:sp>
+        <p:nvSpPr>
+          <p:cNvPr id="3" name="Content Placeholder 2">
+            <a:extLst>
+              <a:ext uri="{FF2B5EF4-FFF2-40B4-BE49-F238E27FC236}">
+                <a16:creationId xmlns:a16="http://schemas.microsoft.com/office/drawing/2014/main" id="{A7216623-DB44-48A5-80E7-EB4E288D6178}"/>
+              </a:ext>
+            </a:extLst>
+          </p:cNvPr>
+          <p:cNvSpPr>
+            <a:spLocks noGrp="1"/>
+          </p:cNvSpPr>
+          <p:nvPr>
+            <p:ph idx="1"/>
+          </p:nvPr>
+        </p:nvSpPr>
+        <p:spPr/>
+        <p:txBody>
+          <a:bodyPr/>
+          <a:lstStyle/>
+          <a:p>
+            <a:pPr marL="0" indent="0">
+              <a:buNone/>
+            </a:pPr>
+            <a:r>
+              <a:rPr lang="en-US" dirty="0"/>
+              <a:t>That is when the “Richardson Maturity Model” (RMM) was born.</a:t>
+            </a:r>
+          </a:p>
+        </p:txBody>
+      </p:sp>
+      <p:pic>
+        <p:nvPicPr>
+          <p:cNvPr id="5" name="Picture 4">
+            <a:extLst>
+              <a:ext uri="{FF2B5EF4-FFF2-40B4-BE49-F238E27FC236}">
+                <a16:creationId xmlns:a16="http://schemas.microsoft.com/office/drawing/2014/main" id="{7184DEEE-2EC5-4FCD-ADBF-F414D9310DFF}"/>
+              </a:ext>
+            </a:extLst>
+          </p:cNvPr>
+          <p:cNvPicPr>
+            <a:picLocks noChangeAspect="1"/>
+          </p:cNvPicPr>
+          <p:nvPr/>
+        </p:nvPicPr>
+        <p:blipFill>
+          <a:blip r:embed="rId2">
+            <a:extLst>
+              <a:ext uri="{28A0092B-C50C-407E-A947-70E740481C1C}">
+                <a14:useLocalDpi xmlns:a14="http://schemas.microsoft.com/office/drawing/2010/main" val="0"/>
+              </a:ext>
+            </a:extLst>
+          </a:blip>
+          <a:stretch>
+            <a:fillRect/>
+          </a:stretch>
+        </p:blipFill>
+        <p:spPr>
+          <a:xfrm>
+            <a:off x="2797310" y="2679092"/>
+            <a:ext cx="6442384" cy="3955624"/>
+          </a:xfrm>
+          <a:prstGeom prst="rect">
+            <a:avLst/>
+          </a:prstGeom>
+        </p:spPr>
+      </p:pic>
+    </p:spTree>
+    <p:extLst>
+      <p:ext uri="{BB962C8B-B14F-4D97-AF65-F5344CB8AC3E}">
+        <p14:creationId xmlns:p14="http://schemas.microsoft.com/office/powerpoint/2010/main" val="3226134398"/>
       </p:ext>
     </p:extLst>
   </p:cSld>

--- a/RESTful API the HATEOAS Way.pptx
+++ b/RESTful API the HATEOAS Way.pptx
@@ -5835,7 +5835,7 @@
             </a:pPr>
             <a:r>
               <a:rPr lang="en-US" dirty="0"/>
-              <a:t>All software code and tooling is mine and was developed personally and not in conjunction with my current employer.  They do not have rights to this code.</a:t>
+              <a:t>All software code is mine and was developed personally and not in conjunction with my current employer.  They do not have rights to this code.</a:t>
             </a:r>
           </a:p>
           <a:p>
@@ -5853,7 +5853,7 @@
             </a:pPr>
             <a:r>
               <a:rPr lang="en-US" dirty="0"/>
-              <a:t>Variations of this code I may later use in software projects for my employer at the time or in contract work.</a:t>
+              <a:t>However, future I may create variations of this code later for use in software projects for my employer at the time or in contract work.</a:t>
             </a:r>
           </a:p>
           <a:p>

--- a/RESTful API the HATEOAS Way.pptx
+++ b/RESTful API the HATEOAS Way.pptx
@@ -21,7 +21,8 @@
     <p:sldId id="269" r:id="rId15"/>
     <p:sldId id="270" r:id="rId16"/>
     <p:sldId id="271" r:id="rId17"/>
-    <p:sldId id="272" r:id="rId18"/>
+    <p:sldId id="273" r:id="rId18"/>
+    <p:sldId id="272" r:id="rId19"/>
   </p:sldIdLst>
   <p:sldSz cx="12192000" cy="6858000"/>
   <p:notesSz cx="6858000" cy="9144000"/>
@@ -298,7 +299,7 @@
           <a:p>
             <a:fld id="{C7A840F7-D6A1-40E9-8C2B-38F65D11C884}" type="datetimeFigureOut">
               <a:rPr lang="en-US" smtClean="0"/>
-              <a:t>7/4/2021</a:t>
+              <a:t>7/5/2021</a:t>
             </a:fld>
             <a:endParaRPr lang="en-US"/>
           </a:p>
@@ -565,7 +566,7 @@
           <a:p>
             <a:fld id="{C7A840F7-D6A1-40E9-8C2B-38F65D11C884}" type="datetimeFigureOut">
               <a:rPr lang="en-US" smtClean="0"/>
-              <a:t>7/4/2021</a:t>
+              <a:t>7/5/2021</a:t>
             </a:fld>
             <a:endParaRPr lang="en-US"/>
           </a:p>
@@ -796,7 +797,7 @@
           <a:p>
             <a:fld id="{C7A840F7-D6A1-40E9-8C2B-38F65D11C884}" type="datetimeFigureOut">
               <a:rPr lang="en-US" smtClean="0"/>
-              <a:t>7/4/2021</a:t>
+              <a:t>7/5/2021</a:t>
             </a:fld>
             <a:endParaRPr lang="en-US"/>
           </a:p>
@@ -1106,7 +1107,7 @@
           <a:p>
             <a:fld id="{C7A840F7-D6A1-40E9-8C2B-38F65D11C884}" type="datetimeFigureOut">
               <a:rPr lang="en-US" smtClean="0"/>
-              <a:t>7/4/2021</a:t>
+              <a:t>7/5/2021</a:t>
             </a:fld>
             <a:endParaRPr lang="en-US"/>
           </a:p>
@@ -1579,7 +1580,7 @@
           <a:p>
             <a:fld id="{C7A840F7-D6A1-40E9-8C2B-38F65D11C884}" type="datetimeFigureOut">
               <a:rPr lang="en-US" smtClean="0"/>
-              <a:t>7/4/2021</a:t>
+              <a:t>7/5/2021</a:t>
             </a:fld>
             <a:endParaRPr lang="en-US"/>
           </a:p>
@@ -2126,7 +2127,7 @@
           <a:p>
             <a:fld id="{C7A840F7-D6A1-40E9-8C2B-38F65D11C884}" type="datetimeFigureOut">
               <a:rPr lang="en-US" smtClean="0"/>
-              <a:t>7/4/2021</a:t>
+              <a:t>7/5/2021</a:t>
             </a:fld>
             <a:endParaRPr lang="en-US"/>
           </a:p>
@@ -2900,7 +2901,7 @@
           <a:p>
             <a:fld id="{C7A840F7-D6A1-40E9-8C2B-38F65D11C884}" type="datetimeFigureOut">
               <a:rPr lang="en-US" smtClean="0"/>
-              <a:t>7/4/2021</a:t>
+              <a:t>7/5/2021</a:t>
             </a:fld>
             <a:endParaRPr lang="en-US"/>
           </a:p>
@@ -3075,7 +3076,7 @@
           <a:p>
             <a:fld id="{C7A840F7-D6A1-40E9-8C2B-38F65D11C884}" type="datetimeFigureOut">
               <a:rPr lang="en-US" smtClean="0"/>
-              <a:t>7/4/2021</a:t>
+              <a:t>7/5/2021</a:t>
             </a:fld>
             <a:endParaRPr lang="en-US"/>
           </a:p>
@@ -3298,7 +3299,7 @@
           <a:p>
             <a:fld id="{C7A840F7-D6A1-40E9-8C2B-38F65D11C884}" type="datetimeFigureOut">
               <a:rPr lang="en-US" smtClean="0"/>
-              <a:t>7/4/2021</a:t>
+              <a:t>7/5/2021</a:t>
             </a:fld>
             <a:endParaRPr lang="en-US"/>
           </a:p>
@@ -3478,7 +3479,7 @@
           <a:p>
             <a:fld id="{C7A840F7-D6A1-40E9-8C2B-38F65D11C884}" type="datetimeFigureOut">
               <a:rPr lang="en-US" smtClean="0"/>
-              <a:t>7/4/2021</a:t>
+              <a:t>7/5/2021</a:t>
             </a:fld>
             <a:endParaRPr lang="en-US"/>
           </a:p>
@@ -3767,7 +3768,7 @@
           <a:p>
             <a:fld id="{C7A840F7-D6A1-40E9-8C2B-38F65D11C884}" type="datetimeFigureOut">
               <a:rPr lang="en-US" smtClean="0"/>
-              <a:t>7/4/2021</a:t>
+              <a:t>7/5/2021</a:t>
             </a:fld>
             <a:endParaRPr lang="en-US"/>
           </a:p>
@@ -4009,7 +4010,7 @@
           <a:p>
             <a:fld id="{C7A840F7-D6A1-40E9-8C2B-38F65D11C884}" type="datetimeFigureOut">
               <a:rPr lang="en-US" smtClean="0"/>
-              <a:t>7/4/2021</a:t>
+              <a:t>7/5/2021</a:t>
             </a:fld>
             <a:endParaRPr lang="en-US"/>
           </a:p>
@@ -4388,7 +4389,7 @@
           <a:p>
             <a:fld id="{C7A840F7-D6A1-40E9-8C2B-38F65D11C884}" type="datetimeFigureOut">
               <a:rPr lang="en-US" smtClean="0"/>
-              <a:t>7/4/2021</a:t>
+              <a:t>7/5/2021</a:t>
             </a:fld>
             <a:endParaRPr lang="en-US"/>
           </a:p>
@@ -4506,7 +4507,7 @@
           <a:p>
             <a:fld id="{C7A840F7-D6A1-40E9-8C2B-38F65D11C884}" type="datetimeFigureOut">
               <a:rPr lang="en-US" smtClean="0"/>
-              <a:t>7/4/2021</a:t>
+              <a:t>7/5/2021</a:t>
             </a:fld>
             <a:endParaRPr lang="en-US"/>
           </a:p>
@@ -4601,7 +4602,7 @@
           <a:p>
             <a:fld id="{C7A840F7-D6A1-40E9-8C2B-38F65D11C884}" type="datetimeFigureOut">
               <a:rPr lang="en-US" smtClean="0"/>
-              <a:t>7/4/2021</a:t>
+              <a:t>7/5/2021</a:t>
             </a:fld>
             <a:endParaRPr lang="en-US"/>
           </a:p>
@@ -4850,7 +4851,7 @@
           <a:p>
             <a:fld id="{C7A840F7-D6A1-40E9-8C2B-38F65D11C884}" type="datetimeFigureOut">
               <a:rPr lang="en-US" smtClean="0"/>
-              <a:t>7/4/2021</a:t>
+              <a:t>7/5/2021</a:t>
             </a:fld>
             <a:endParaRPr lang="en-US"/>
           </a:p>
@@ -5107,7 +5108,7 @@
           <a:p>
             <a:fld id="{C7A840F7-D6A1-40E9-8C2B-38F65D11C884}" type="datetimeFigureOut">
               <a:rPr lang="en-US" smtClean="0"/>
-              <a:t>7/4/2021</a:t>
+              <a:t>7/5/2021</a:t>
             </a:fld>
             <a:endParaRPr lang="en-US"/>
           </a:p>
@@ -5350,7 +5351,7 @@
           <a:p>
             <a:fld id="{C7A840F7-D6A1-40E9-8C2B-38F65D11C884}" type="datetimeFigureOut">
               <a:rPr lang="en-US" smtClean="0"/>
-              <a:t>7/4/2021</a:t>
+              <a:t>7/5/2021</a:t>
             </a:fld>
             <a:endParaRPr lang="en-US"/>
           </a:p>
@@ -6897,6 +6898,99 @@
           <p:cNvPr id="2" name="Title 1">
             <a:extLst>
               <a:ext uri="{FF2B5EF4-FFF2-40B4-BE49-F238E27FC236}">
+                <a16:creationId xmlns:a16="http://schemas.microsoft.com/office/drawing/2014/main" id="{E63341C9-F370-473C-BEE9-84C30E1DB058}"/>
+              </a:ext>
+            </a:extLst>
+          </p:cNvPr>
+          <p:cNvSpPr>
+            <a:spLocks noGrp="1"/>
+          </p:cNvSpPr>
+          <p:nvPr>
+            <p:ph type="title"/>
+          </p:nvPr>
+        </p:nvSpPr>
+        <p:spPr/>
+        <p:txBody>
+          <a:bodyPr/>
+          <a:lstStyle/>
+          <a:p>
+            <a:r>
+              <a:rPr lang="en-US" dirty="0"/>
+              <a:t>Any questions</a:t>
+            </a:r>
+          </a:p>
+        </p:txBody>
+      </p:sp>
+      <p:pic>
+        <p:nvPicPr>
+          <p:cNvPr id="5" name="Content Placeholder 4">
+            <a:extLst>
+              <a:ext uri="{FF2B5EF4-FFF2-40B4-BE49-F238E27FC236}">
+                <a16:creationId xmlns:a16="http://schemas.microsoft.com/office/drawing/2014/main" id="{52AE9388-309F-464E-B4FF-3D177B47729F}"/>
+              </a:ext>
+            </a:extLst>
+          </p:cNvPr>
+          <p:cNvPicPr>
+            <a:picLocks noGrp="1" noChangeAspect="1"/>
+          </p:cNvPicPr>
+          <p:nvPr>
+            <p:ph idx="1"/>
+          </p:nvPr>
+        </p:nvPicPr>
+        <p:blipFill>
+          <a:blip r:embed="rId2">
+            <a:extLst>
+              <a:ext uri="{28A0092B-C50C-407E-A947-70E740481C1C}">
+                <a14:useLocalDpi xmlns:a14="http://schemas.microsoft.com/office/drawing/2010/main" val="0"/>
+              </a:ext>
+            </a:extLst>
+          </a:blip>
+          <a:stretch>
+            <a:fillRect/>
+          </a:stretch>
+        </p:blipFill>
+        <p:spPr>
+          <a:xfrm>
+            <a:off x="4208918" y="2193925"/>
+            <a:ext cx="3774164" cy="4024313"/>
+          </a:xfrm>
+        </p:spPr>
+      </p:pic>
+    </p:spTree>
+    <p:extLst>
+      <p:ext uri="{BB962C8B-B14F-4D97-AF65-F5344CB8AC3E}">
+        <p14:creationId xmlns:p14="http://schemas.microsoft.com/office/powerpoint/2010/main" val="1865641870"/>
+      </p:ext>
+    </p:extLst>
+  </p:cSld>
+  <p:clrMapOvr>
+    <a:masterClrMapping/>
+  </p:clrMapOvr>
+</p:sld>
+</file>
+
+<file path=ppt/slides/slide18.xml><?xml version="1.0" encoding="utf-8"?>
+<p:sld xmlns:a="http://schemas.openxmlformats.org/drawingml/2006/main" xmlns:r="http://schemas.openxmlformats.org/officeDocument/2006/relationships" xmlns:p="http://schemas.openxmlformats.org/presentationml/2006/main">
+  <p:cSld>
+    <p:spTree>
+      <p:nvGrpSpPr>
+        <p:cNvPr id="1" name=""/>
+        <p:cNvGrpSpPr/>
+        <p:nvPr/>
+      </p:nvGrpSpPr>
+      <p:grpSpPr>
+        <a:xfrm>
+          <a:off x="0" y="0"/>
+          <a:ext cx="0" cy="0"/>
+          <a:chOff x="0" y="0"/>
+          <a:chExt cx="0" cy="0"/>
+        </a:xfrm>
+      </p:grpSpPr>
+      <p:sp>
+        <p:nvSpPr>
+          <p:cNvPr id="2" name="Title 1">
+            <a:extLst>
+              <a:ext uri="{FF2B5EF4-FFF2-40B4-BE49-F238E27FC236}">
                 <a16:creationId xmlns:a16="http://schemas.microsoft.com/office/drawing/2014/main" id="{7953D227-8F76-4906-9705-BE008010AE04}"/>
               </a:ext>
             </a:extLst>
